--- a/slides/NaturalSpec_ADC2011_German.pptx
+++ b/slides/NaturalSpec_ADC2011_German.pptx
@@ -17,9 +17,9 @@
     <p:sldId id="266" r:id="rId5"/>
     <p:sldId id="269" r:id="rId6"/>
     <p:sldId id="267" r:id="rId7"/>
-    <p:sldId id="268" r:id="rId8"/>
-    <p:sldId id="263" r:id="rId9"/>
-    <p:sldId id="265" r:id="rId10"/>
+    <p:sldId id="271" r:id="rId8"/>
+    <p:sldId id="272" r:id="rId9"/>
+    <p:sldId id="270" r:id="rId10"/>
     <p:sldId id="258" r:id="rId11"/>
     <p:sldId id="260" r:id="rId12"/>
     <p:sldId id="259" r:id="rId13"/>
@@ -1409,7 +1409,7 @@
               <a:pPr>
                 <a:defRPr/>
               </a:pPr>
-              <a:t>29.01.2011</a:t>
+              <a:t>05.02.2011</a:t>
             </a:fld>
             <a:endParaRPr lang="de-DE"/>
           </a:p>
@@ -1878,357 +1878,6 @@
               <a:pPr>
                 <a:defRPr/>
               </a:pPr>
-              <a:t>10</a:t>
-            </a:fld>
-            <a:endParaRPr lang="de-DE"/>
-          </a:p>
-        </p:txBody>
-      </p:sp>
-    </p:spTree>
-    <p:extLst>
-      <p:ext uri="{BB962C8B-B14F-4D97-AF65-F5344CB8AC3E}">
-        <p14:creationId xmlns:p14="http://schemas.microsoft.com/office/powerpoint/2010/main" val="4088216683"/>
-      </p:ext>
-    </p:extLst>
-  </p:cSld>
-  <p:clrMapOvr>
-    <a:masterClrMapping/>
-  </p:clrMapOvr>
-</p:notes>
-</file>
-
-<file path=ppt/notesSlides/notesSlide11.xml><?xml version="1.0" encoding="utf-8"?>
-<p:notes xmlns:a="http://schemas.openxmlformats.org/drawingml/2006/main" xmlns:r="http://schemas.openxmlformats.org/officeDocument/2006/relationships" xmlns:p="http://schemas.openxmlformats.org/presentationml/2006/main">
-  <p:cSld>
-    <p:spTree>
-      <p:nvGrpSpPr>
-        <p:cNvPr id="1" name=""/>
-        <p:cNvGrpSpPr/>
-        <p:nvPr/>
-      </p:nvGrpSpPr>
-      <p:grpSpPr>
-        <a:xfrm>
-          <a:off x="0" y="0"/>
-          <a:ext cx="0" cy="0"/>
-          <a:chOff x="0" y="0"/>
-          <a:chExt cx="0" cy="0"/>
-        </a:xfrm>
-      </p:grpSpPr>
-      <p:sp>
-        <p:nvSpPr>
-          <p:cNvPr id="12290" name="Folienbildplatzhalter 1"/>
-          <p:cNvSpPr>
-            <a:spLocks noGrp="1" noRot="1" noChangeAspect="1" noTextEdit="1"/>
-          </p:cNvSpPr>
-          <p:nvPr>
-            <p:ph type="sldImg"/>
-          </p:nvPr>
-        </p:nvSpPr>
-        <p:spPr bwMode="auto">
-          <a:noFill/>
-          <a:ln>
-            <a:solidFill>
-              <a:srgbClr val="000000"/>
-            </a:solidFill>
-            <a:miter lim="800000"/>
-            <a:headEnd/>
-            <a:tailEnd/>
-          </a:ln>
-          <a:extLst>
-            <a:ext uri="{909E8E84-426E-40DD-AFC4-6F175D3DCCD1}">
-              <a14:hiddenFill xmlns:a14="http://schemas.microsoft.com/office/drawing/2010/main">
-                <a:solidFill>
-                  <a:srgbClr val="FFFFFF"/>
-                </a:solidFill>
-              </a14:hiddenFill>
-            </a:ext>
-          </a:extLst>
-        </p:spPr>
-      </p:sp>
-      <p:sp>
-        <p:nvSpPr>
-          <p:cNvPr id="12291" name="Notizenplatzhalter 2"/>
-          <p:cNvSpPr>
-            <a:spLocks noGrp="1"/>
-          </p:cNvSpPr>
-          <p:nvPr>
-            <p:ph type="body" idx="1"/>
-          </p:nvPr>
-        </p:nvSpPr>
-        <p:spPr bwMode="auto">
-          <a:noFill/>
-          <a:extLst>
-            <a:ext uri="{909E8E84-426E-40DD-AFC4-6F175D3DCCD1}">
-              <a14:hiddenFill xmlns:a14="http://schemas.microsoft.com/office/drawing/2010/main">
-                <a:solidFill>
-                  <a:srgbClr val="FFFFFF"/>
-                </a:solidFill>
-              </a14:hiddenFill>
-            </a:ext>
-            <a:ext uri="{91240B29-F687-4F45-9708-019B960494DF}">
-              <a14:hiddenLine xmlns:a14="http://schemas.microsoft.com/office/drawing/2010/main" w="9525">
-                <a:solidFill>
-                  <a:srgbClr val="000000"/>
-                </a:solidFill>
-                <a:miter lim="800000"/>
-                <a:headEnd/>
-                <a:tailEnd/>
-              </a14:hiddenLine>
-            </a:ext>
-          </a:extLst>
-        </p:spPr>
-        <p:txBody>
-          <a:bodyPr wrap="square" numCol="1" anchor="t" anchorCtr="0" compatLnSpc="1">
-            <a:prstTxWarp prst="textNoShape">
-              <a:avLst/>
-            </a:prstTxWarp>
-          </a:bodyPr>
-          <a:lstStyle/>
-          <a:p>
-            <a:pPr eaLnBrk="1" hangingPunct="1">
-              <a:spcBef>
-                <a:spcPct val="0"/>
-              </a:spcBef>
-            </a:pPr>
-            <a:endParaRPr lang="de-DE" smtClean="0"/>
-          </a:p>
-        </p:txBody>
-      </p:sp>
-      <p:sp>
-        <p:nvSpPr>
-          <p:cNvPr id="12292" name="Foliennummernplatzhalter 3"/>
-          <p:cNvSpPr>
-            <a:spLocks noGrp="1"/>
-          </p:cNvSpPr>
-          <p:nvPr>
-            <p:ph type="sldNum" sz="quarter" idx="5"/>
-          </p:nvPr>
-        </p:nvSpPr>
-        <p:spPr bwMode="auto">
-          <a:noFill/>
-          <a:extLst>
-            <a:ext uri="{909E8E84-426E-40DD-AFC4-6F175D3DCCD1}">
-              <a14:hiddenFill xmlns:a14="http://schemas.microsoft.com/office/drawing/2010/main">
-                <a:solidFill>
-                  <a:srgbClr val="FFFFFF"/>
-                </a:solidFill>
-              </a14:hiddenFill>
-            </a:ext>
-            <a:ext uri="{91240B29-F687-4F45-9708-019B960494DF}">
-              <a14:hiddenLine xmlns:a14="http://schemas.microsoft.com/office/drawing/2010/main" w="9525">
-                <a:solidFill>
-                  <a:srgbClr val="000000"/>
-                </a:solidFill>
-                <a:miter lim="800000"/>
-                <a:headEnd/>
-                <a:tailEnd/>
-              </a14:hiddenLine>
-            </a:ext>
-          </a:extLst>
-        </p:spPr>
-        <p:txBody>
-          <a:bodyPr wrap="square" numCol="1" anchorCtr="0" compatLnSpc="1">
-            <a:prstTxWarp prst="textNoShape">
-              <a:avLst/>
-            </a:prstTxWarp>
-          </a:bodyPr>
-          <a:lstStyle>
-            <a:lvl1pPr eaLnBrk="0" hangingPunct="0">
-              <a:defRPr>
-                <a:solidFill>
-                  <a:schemeClr val="tx1"/>
-                </a:solidFill>
-                <a:latin typeface="Calibri" pitchFamily="34" charset="0"/>
-                <a:cs typeface="Arial" pitchFamily="34" charset="0"/>
-              </a:defRPr>
-            </a:lvl1pPr>
-            <a:lvl2pPr marL="742950" indent="-285750" eaLnBrk="0" hangingPunct="0">
-              <a:defRPr>
-                <a:solidFill>
-                  <a:schemeClr val="tx1"/>
-                </a:solidFill>
-                <a:latin typeface="Calibri" pitchFamily="34" charset="0"/>
-                <a:cs typeface="Arial" pitchFamily="34" charset="0"/>
-              </a:defRPr>
-            </a:lvl2pPr>
-            <a:lvl3pPr marL="1143000" indent="-228600" eaLnBrk="0" hangingPunct="0">
-              <a:defRPr>
-                <a:solidFill>
-                  <a:schemeClr val="tx1"/>
-                </a:solidFill>
-                <a:latin typeface="Calibri" pitchFamily="34" charset="0"/>
-                <a:cs typeface="Arial" pitchFamily="34" charset="0"/>
-              </a:defRPr>
-            </a:lvl3pPr>
-            <a:lvl4pPr marL="1600200" indent="-228600" eaLnBrk="0" hangingPunct="0">
-              <a:defRPr>
-                <a:solidFill>
-                  <a:schemeClr val="tx1"/>
-                </a:solidFill>
-                <a:latin typeface="Calibri" pitchFamily="34" charset="0"/>
-                <a:cs typeface="Arial" pitchFamily="34" charset="0"/>
-              </a:defRPr>
-            </a:lvl4pPr>
-            <a:lvl5pPr marL="2057400" indent="-228600" eaLnBrk="0" hangingPunct="0">
-              <a:defRPr>
-                <a:solidFill>
-                  <a:schemeClr val="tx1"/>
-                </a:solidFill>
-                <a:latin typeface="Calibri" pitchFamily="34" charset="0"/>
-                <a:cs typeface="Arial" pitchFamily="34" charset="0"/>
-              </a:defRPr>
-            </a:lvl5pPr>
-            <a:lvl6pPr marL="2514600" indent="-228600" eaLnBrk="0" fontAlgn="base" hangingPunct="0">
-              <a:spcBef>
-                <a:spcPct val="0"/>
-              </a:spcBef>
-              <a:spcAft>
-                <a:spcPct val="0"/>
-              </a:spcAft>
-              <a:defRPr>
-                <a:solidFill>
-                  <a:schemeClr val="tx1"/>
-                </a:solidFill>
-                <a:latin typeface="Calibri" pitchFamily="34" charset="0"/>
-                <a:cs typeface="Arial" pitchFamily="34" charset="0"/>
-              </a:defRPr>
-            </a:lvl6pPr>
-            <a:lvl7pPr marL="2971800" indent="-228600" eaLnBrk="0" fontAlgn="base" hangingPunct="0">
-              <a:spcBef>
-                <a:spcPct val="0"/>
-              </a:spcBef>
-              <a:spcAft>
-                <a:spcPct val="0"/>
-              </a:spcAft>
-              <a:defRPr>
-                <a:solidFill>
-                  <a:schemeClr val="tx1"/>
-                </a:solidFill>
-                <a:latin typeface="Calibri" pitchFamily="34" charset="0"/>
-                <a:cs typeface="Arial" pitchFamily="34" charset="0"/>
-              </a:defRPr>
-            </a:lvl7pPr>
-            <a:lvl8pPr marL="3429000" indent="-228600" eaLnBrk="0" fontAlgn="base" hangingPunct="0">
-              <a:spcBef>
-                <a:spcPct val="0"/>
-              </a:spcBef>
-              <a:spcAft>
-                <a:spcPct val="0"/>
-              </a:spcAft>
-              <a:defRPr>
-                <a:solidFill>
-                  <a:schemeClr val="tx1"/>
-                </a:solidFill>
-                <a:latin typeface="Calibri" pitchFamily="34" charset="0"/>
-                <a:cs typeface="Arial" pitchFamily="34" charset="0"/>
-              </a:defRPr>
-            </a:lvl8pPr>
-            <a:lvl9pPr marL="3886200" indent="-228600" eaLnBrk="0" fontAlgn="base" hangingPunct="0">
-              <a:spcBef>
-                <a:spcPct val="0"/>
-              </a:spcBef>
-              <a:spcAft>
-                <a:spcPct val="0"/>
-              </a:spcAft>
-              <a:defRPr>
-                <a:solidFill>
-                  <a:schemeClr val="tx1"/>
-                </a:solidFill>
-                <a:latin typeface="Calibri" pitchFamily="34" charset="0"/>
-                <a:cs typeface="Arial" pitchFamily="34" charset="0"/>
-              </a:defRPr>
-            </a:lvl9pPr>
-          </a:lstStyle>
-          <a:p>
-            <a:pPr eaLnBrk="1" hangingPunct="1"/>
-            <a:fld id="{1E3DF408-A7DD-4355-8132-09DDD024983B}" type="slidenum">
-              <a:rPr lang="de-DE" smtClean="0"/>
-              <a:pPr eaLnBrk="1" hangingPunct="1"/>
-              <a:t>11</a:t>
-            </a:fld>
-            <a:endParaRPr lang="de-DE" smtClean="0"/>
-          </a:p>
-        </p:txBody>
-      </p:sp>
-    </p:spTree>
-  </p:cSld>
-  <p:clrMapOvr>
-    <a:masterClrMapping/>
-  </p:clrMapOvr>
-</p:notes>
-</file>
-
-<file path=ppt/notesSlides/notesSlide12.xml><?xml version="1.0" encoding="utf-8"?>
-<p:notes xmlns:a="http://schemas.openxmlformats.org/drawingml/2006/main" xmlns:r="http://schemas.openxmlformats.org/officeDocument/2006/relationships" xmlns:p="http://schemas.openxmlformats.org/presentationml/2006/main">
-  <p:cSld>
-    <p:spTree>
-      <p:nvGrpSpPr>
-        <p:cNvPr id="1" name=""/>
-        <p:cNvGrpSpPr/>
-        <p:nvPr/>
-      </p:nvGrpSpPr>
-      <p:grpSpPr>
-        <a:xfrm>
-          <a:off x="0" y="0"/>
-          <a:ext cx="0" cy="0"/>
-          <a:chOff x="0" y="0"/>
-          <a:chExt cx="0" cy="0"/>
-        </a:xfrm>
-      </p:grpSpPr>
-      <p:sp>
-        <p:nvSpPr>
-          <p:cNvPr id="2" name="Folienbildplatzhalter 1"/>
-          <p:cNvSpPr>
-            <a:spLocks noGrp="1" noRot="1" noChangeAspect="1"/>
-          </p:cNvSpPr>
-          <p:nvPr>
-            <p:ph type="sldImg"/>
-          </p:nvPr>
-        </p:nvSpPr>
-        <p:spPr/>
-      </p:sp>
-      <p:sp>
-        <p:nvSpPr>
-          <p:cNvPr id="3" name="Notizenplatzhalter 2"/>
-          <p:cNvSpPr>
-            <a:spLocks noGrp="1"/>
-          </p:cNvSpPr>
-          <p:nvPr>
-            <p:ph type="body" idx="1"/>
-          </p:nvPr>
-        </p:nvSpPr>
-        <p:spPr/>
-        <p:txBody>
-          <a:bodyPr/>
-          <a:lstStyle/>
-          <a:p>
-            <a:endParaRPr lang="de-DE"/>
-          </a:p>
-        </p:txBody>
-      </p:sp>
-      <p:sp>
-        <p:nvSpPr>
-          <p:cNvPr id="4" name="Foliennummernplatzhalter 3"/>
-          <p:cNvSpPr>
-            <a:spLocks noGrp="1"/>
-          </p:cNvSpPr>
-          <p:nvPr>
-            <p:ph type="sldNum" sz="quarter" idx="10"/>
-          </p:nvPr>
-        </p:nvSpPr>
-        <p:spPr/>
-        <p:txBody>
-          <a:bodyPr/>
-          <a:lstStyle/>
-          <a:p>
-            <a:pPr>
-              <a:defRPr/>
-            </a:pPr>
-            <a:fld id="{571DBBDA-32F8-4515-AE76-A45DB78243F9}" type="slidenum">
-              <a:rPr lang="de-DE" smtClean="0"/>
-              <a:pPr>
-                <a:defRPr/>
-              </a:pPr>
               <a:t>12</a:t>
             </a:fld>
             <a:endParaRPr lang="de-DE"/>
@@ -2248,7 +1897,7 @@
 </p:notes>
 </file>
 
-<file path=ppt/notesSlides/notesSlide13.xml><?xml version="1.0" encoding="utf-8"?>
+<file path=ppt/notesSlides/notesSlide11.xml><?xml version="1.0" encoding="utf-8"?>
 <p:notes xmlns:a="http://schemas.openxmlformats.org/drawingml/2006/main" xmlns:r="http://schemas.openxmlformats.org/officeDocument/2006/relationships" xmlns:p="http://schemas.openxmlformats.org/presentationml/2006/main">
   <p:cSld>
     <p:spTree>
@@ -2859,7 +2508,7 @@
               <a:pPr>
                 <a:defRPr/>
               </a:pPr>
-              <a:t>7</a:t>
+              <a:t>9</a:t>
             </a:fld>
             <a:endParaRPr lang="de-DE"/>
           </a:p>
@@ -2868,7 +2517,7 @@
     </p:spTree>
     <p:extLst>
       <p:ext uri="{BB962C8B-B14F-4D97-AF65-F5344CB8AC3E}">
-        <p14:creationId xmlns:p14="http://schemas.microsoft.com/office/powerpoint/2010/main" val="3635445444"/>
+        <p14:creationId xmlns:p14="http://schemas.microsoft.com/office/powerpoint/2010/main" val="4088216683"/>
       </p:ext>
     </p:extLst>
   </p:cSld>
@@ -2949,7 +2598,7 @@
               <a:pPr>
                 <a:defRPr/>
               </a:pPr>
-              <a:t>8</a:t>
+              <a:t>10</a:t>
             </a:fld>
             <a:endParaRPr lang="de-DE"/>
           </a:p>
@@ -2958,7 +2607,7 @@
     </p:spTree>
     <p:extLst>
       <p:ext uri="{BB962C8B-B14F-4D97-AF65-F5344CB8AC3E}">
-        <p14:creationId xmlns:p14="http://schemas.microsoft.com/office/powerpoint/2010/main" val="3635445444"/>
+        <p14:creationId xmlns:p14="http://schemas.microsoft.com/office/powerpoint/2010/main" val="4088216683"/>
       </p:ext>
     </p:extLst>
   </p:cSld>
@@ -2987,19 +2636,38 @@
       </p:grpSpPr>
       <p:sp>
         <p:nvSpPr>
-          <p:cNvPr id="2" name="Folienbildplatzhalter 1"/>
+          <p:cNvPr id="12290" name="Folienbildplatzhalter 1"/>
           <p:cNvSpPr>
-            <a:spLocks noGrp="1" noRot="1" noChangeAspect="1"/>
+            <a:spLocks noGrp="1" noRot="1" noChangeAspect="1" noTextEdit="1"/>
           </p:cNvSpPr>
           <p:nvPr>
             <p:ph type="sldImg"/>
           </p:nvPr>
         </p:nvSpPr>
-        <p:spPr/>
+        <p:spPr bwMode="auto">
+          <a:noFill/>
+          <a:ln>
+            <a:solidFill>
+              <a:srgbClr val="000000"/>
+            </a:solidFill>
+            <a:miter lim="800000"/>
+            <a:headEnd/>
+            <a:tailEnd/>
+          </a:ln>
+          <a:extLst>
+            <a:ext uri="{909E8E84-426E-40DD-AFC4-6F175D3DCCD1}">
+              <a14:hiddenFill xmlns:a14="http://schemas.microsoft.com/office/drawing/2010/main">
+                <a:solidFill>
+                  <a:srgbClr val="FFFFFF"/>
+                </a:solidFill>
+              </a14:hiddenFill>
+            </a:ext>
+          </a:extLst>
+        </p:spPr>
       </p:sp>
       <p:sp>
         <p:nvSpPr>
-          <p:cNvPr id="3" name="Notizenplatzhalter 2"/>
+          <p:cNvPr id="12291" name="Notizenplatzhalter 2"/>
           <p:cNvSpPr>
             <a:spLocks noGrp="1"/>
           </p:cNvSpPr>
@@ -3007,50 +2675,202 @@
             <p:ph type="body" idx="1"/>
           </p:nvPr>
         </p:nvSpPr>
-        <p:spPr/>
+        <p:spPr bwMode="auto">
+          <a:noFill/>
+          <a:extLst>
+            <a:ext uri="{909E8E84-426E-40DD-AFC4-6F175D3DCCD1}">
+              <a14:hiddenFill xmlns:a14="http://schemas.microsoft.com/office/drawing/2010/main">
+                <a:solidFill>
+                  <a:srgbClr val="FFFFFF"/>
+                </a:solidFill>
+              </a14:hiddenFill>
+            </a:ext>
+            <a:ext uri="{91240B29-F687-4F45-9708-019B960494DF}">
+              <a14:hiddenLine xmlns:a14="http://schemas.microsoft.com/office/drawing/2010/main" w="9525">
+                <a:solidFill>
+                  <a:srgbClr val="000000"/>
+                </a:solidFill>
+                <a:miter lim="800000"/>
+                <a:headEnd/>
+                <a:tailEnd/>
+              </a14:hiddenLine>
+            </a:ext>
+          </a:extLst>
+        </p:spPr>
         <p:txBody>
-          <a:bodyPr/>
+          <a:bodyPr wrap="square" numCol="1" anchor="t" anchorCtr="0" compatLnSpc="1">
+            <a:prstTxWarp prst="textNoShape">
+              <a:avLst/>
+            </a:prstTxWarp>
+          </a:bodyPr>
           <a:lstStyle/>
           <a:p>
-            <a:endParaRPr lang="de-DE"/>
+            <a:pPr eaLnBrk="1" hangingPunct="1">
+              <a:spcBef>
+                <a:spcPct val="0"/>
+              </a:spcBef>
+            </a:pPr>
+            <a:endParaRPr lang="de-DE" smtClean="0"/>
           </a:p>
         </p:txBody>
       </p:sp>
       <p:sp>
         <p:nvSpPr>
-          <p:cNvPr id="4" name="Foliennummernplatzhalter 3"/>
+          <p:cNvPr id="12292" name="Foliennummernplatzhalter 3"/>
           <p:cNvSpPr>
             <a:spLocks noGrp="1"/>
           </p:cNvSpPr>
           <p:nvPr>
-            <p:ph type="sldNum" sz="quarter" idx="10"/>
+            <p:ph type="sldNum" sz="quarter" idx="5"/>
           </p:nvPr>
         </p:nvSpPr>
-        <p:spPr/>
+        <p:spPr bwMode="auto">
+          <a:noFill/>
+          <a:extLst>
+            <a:ext uri="{909E8E84-426E-40DD-AFC4-6F175D3DCCD1}">
+              <a14:hiddenFill xmlns:a14="http://schemas.microsoft.com/office/drawing/2010/main">
+                <a:solidFill>
+                  <a:srgbClr val="FFFFFF"/>
+                </a:solidFill>
+              </a14:hiddenFill>
+            </a:ext>
+            <a:ext uri="{91240B29-F687-4F45-9708-019B960494DF}">
+              <a14:hiddenLine xmlns:a14="http://schemas.microsoft.com/office/drawing/2010/main" w="9525">
+                <a:solidFill>
+                  <a:srgbClr val="000000"/>
+                </a:solidFill>
+                <a:miter lim="800000"/>
+                <a:headEnd/>
+                <a:tailEnd/>
+              </a14:hiddenLine>
+            </a:ext>
+          </a:extLst>
+        </p:spPr>
         <p:txBody>
-          <a:bodyPr/>
-          <a:lstStyle/>
+          <a:bodyPr wrap="square" numCol="1" anchorCtr="0" compatLnSpc="1">
+            <a:prstTxWarp prst="textNoShape">
+              <a:avLst/>
+            </a:prstTxWarp>
+          </a:bodyPr>
+          <a:lstStyle>
+            <a:lvl1pPr eaLnBrk="0" hangingPunct="0">
+              <a:defRPr>
+                <a:solidFill>
+                  <a:schemeClr val="tx1"/>
+                </a:solidFill>
+                <a:latin typeface="Calibri" pitchFamily="34" charset="0"/>
+                <a:cs typeface="Arial" pitchFamily="34" charset="0"/>
+              </a:defRPr>
+            </a:lvl1pPr>
+            <a:lvl2pPr marL="742950" indent="-285750" eaLnBrk="0" hangingPunct="0">
+              <a:defRPr>
+                <a:solidFill>
+                  <a:schemeClr val="tx1"/>
+                </a:solidFill>
+                <a:latin typeface="Calibri" pitchFamily="34" charset="0"/>
+                <a:cs typeface="Arial" pitchFamily="34" charset="0"/>
+              </a:defRPr>
+            </a:lvl2pPr>
+            <a:lvl3pPr marL="1143000" indent="-228600" eaLnBrk="0" hangingPunct="0">
+              <a:defRPr>
+                <a:solidFill>
+                  <a:schemeClr val="tx1"/>
+                </a:solidFill>
+                <a:latin typeface="Calibri" pitchFamily="34" charset="0"/>
+                <a:cs typeface="Arial" pitchFamily="34" charset="0"/>
+              </a:defRPr>
+            </a:lvl3pPr>
+            <a:lvl4pPr marL="1600200" indent="-228600" eaLnBrk="0" hangingPunct="0">
+              <a:defRPr>
+                <a:solidFill>
+                  <a:schemeClr val="tx1"/>
+                </a:solidFill>
+                <a:latin typeface="Calibri" pitchFamily="34" charset="0"/>
+                <a:cs typeface="Arial" pitchFamily="34" charset="0"/>
+              </a:defRPr>
+            </a:lvl4pPr>
+            <a:lvl5pPr marL="2057400" indent="-228600" eaLnBrk="0" hangingPunct="0">
+              <a:defRPr>
+                <a:solidFill>
+                  <a:schemeClr val="tx1"/>
+                </a:solidFill>
+                <a:latin typeface="Calibri" pitchFamily="34" charset="0"/>
+                <a:cs typeface="Arial" pitchFamily="34" charset="0"/>
+              </a:defRPr>
+            </a:lvl5pPr>
+            <a:lvl6pPr marL="2514600" indent="-228600" eaLnBrk="0" fontAlgn="base" hangingPunct="0">
+              <a:spcBef>
+                <a:spcPct val="0"/>
+              </a:spcBef>
+              <a:spcAft>
+                <a:spcPct val="0"/>
+              </a:spcAft>
+              <a:defRPr>
+                <a:solidFill>
+                  <a:schemeClr val="tx1"/>
+                </a:solidFill>
+                <a:latin typeface="Calibri" pitchFamily="34" charset="0"/>
+                <a:cs typeface="Arial" pitchFamily="34" charset="0"/>
+              </a:defRPr>
+            </a:lvl6pPr>
+            <a:lvl7pPr marL="2971800" indent="-228600" eaLnBrk="0" fontAlgn="base" hangingPunct="0">
+              <a:spcBef>
+                <a:spcPct val="0"/>
+              </a:spcBef>
+              <a:spcAft>
+                <a:spcPct val="0"/>
+              </a:spcAft>
+              <a:defRPr>
+                <a:solidFill>
+                  <a:schemeClr val="tx1"/>
+                </a:solidFill>
+                <a:latin typeface="Calibri" pitchFamily="34" charset="0"/>
+                <a:cs typeface="Arial" pitchFamily="34" charset="0"/>
+              </a:defRPr>
+            </a:lvl7pPr>
+            <a:lvl8pPr marL="3429000" indent="-228600" eaLnBrk="0" fontAlgn="base" hangingPunct="0">
+              <a:spcBef>
+                <a:spcPct val="0"/>
+              </a:spcBef>
+              <a:spcAft>
+                <a:spcPct val="0"/>
+              </a:spcAft>
+              <a:defRPr>
+                <a:solidFill>
+                  <a:schemeClr val="tx1"/>
+                </a:solidFill>
+                <a:latin typeface="Calibri" pitchFamily="34" charset="0"/>
+                <a:cs typeface="Arial" pitchFamily="34" charset="0"/>
+              </a:defRPr>
+            </a:lvl8pPr>
+            <a:lvl9pPr marL="3886200" indent="-228600" eaLnBrk="0" fontAlgn="base" hangingPunct="0">
+              <a:spcBef>
+                <a:spcPct val="0"/>
+              </a:spcBef>
+              <a:spcAft>
+                <a:spcPct val="0"/>
+              </a:spcAft>
+              <a:defRPr>
+                <a:solidFill>
+                  <a:schemeClr val="tx1"/>
+                </a:solidFill>
+                <a:latin typeface="Calibri" pitchFamily="34" charset="0"/>
+                <a:cs typeface="Arial" pitchFamily="34" charset="0"/>
+              </a:defRPr>
+            </a:lvl9pPr>
+          </a:lstStyle>
           <a:p>
-            <a:pPr>
-              <a:defRPr/>
-            </a:pPr>
-            <a:fld id="{571DBBDA-32F8-4515-AE76-A45DB78243F9}" type="slidenum">
+            <a:pPr eaLnBrk="1" hangingPunct="1"/>
+            <a:fld id="{1E3DF408-A7DD-4355-8132-09DDD024983B}" type="slidenum">
               <a:rPr lang="de-DE" smtClean="0"/>
-              <a:pPr>
-                <a:defRPr/>
-              </a:pPr>
-              <a:t>9</a:t>
+              <a:pPr eaLnBrk="1" hangingPunct="1"/>
+              <a:t>11</a:t>
             </a:fld>
-            <a:endParaRPr lang="de-DE"/>
+            <a:endParaRPr lang="de-DE" smtClean="0"/>
           </a:p>
         </p:txBody>
       </p:sp>
     </p:spTree>
-    <p:extLst>
-      <p:ext uri="{BB962C8B-B14F-4D97-AF65-F5344CB8AC3E}">
-        <p14:creationId xmlns:p14="http://schemas.microsoft.com/office/powerpoint/2010/main" val="1456244815"/>
-      </p:ext>
-    </p:extLst>
   </p:cSld>
   <p:clrMapOvr>
     <a:masterClrMapping/>
@@ -7112,13 +6932,13 @@
           <p:nvPr>
             <p:extLst>
               <p:ext uri="{D42A27DB-BD31-4B8C-83A1-F6EECF244321}">
-                <p14:modId xmlns:p14="http://schemas.microsoft.com/office/powerpoint/2010/main" val="2968281081"/>
+                <p14:modId xmlns:p14="http://schemas.microsoft.com/office/powerpoint/2010/main" val="570991114"/>
               </p:ext>
             </p:extLst>
           </p:nvPr>
         </p:nvGraphicFramePr>
         <p:xfrm>
-          <a:off x="215900" y="1152525"/>
+          <a:off x="764540" y="1152525"/>
           <a:ext cx="6845300" cy="5105402"/>
         </p:xfrm>
         <a:graphic>
@@ -25517,8 +25337,8 @@
         </p:nvSpPr>
         <p:spPr>
           <a:xfrm>
-            <a:off x="7150100" y="1784350"/>
-            <a:ext cx="1828800" cy="707886"/>
+            <a:off x="7820660" y="1906270"/>
+            <a:ext cx="1828800" cy="584775"/>
           </a:xfrm>
           <a:prstGeom prst="rect">
             <a:avLst/>
@@ -25532,7 +25352,7 @@
           <a:lstStyle/>
           <a:p>
             <a:r>
-              <a:rPr lang="de-DE" sz="4000" dirty="0" smtClean="0">
+              <a:rPr lang="de-DE" sz="3200" dirty="0" smtClean="0">
                 <a:ln w="18415" cmpd="sng">
                   <a:solidFill>
                     <a:srgbClr val="FFFFFF"/>
@@ -25552,7 +25372,7 @@
               </a:rPr>
               <a:t>f(6,8)</a:t>
             </a:r>
-            <a:endParaRPr lang="de-DE" sz="4000" dirty="0">
+            <a:endParaRPr lang="de-DE" sz="3200" dirty="0">
               <a:ln w="18415" cmpd="sng">
                 <a:solidFill>
                   <a:srgbClr val="FFFFFF"/>
@@ -25581,7 +25401,7 @@
         </p:nvSpPr>
         <p:spPr>
           <a:xfrm>
-            <a:off x="4705350" y="3730625"/>
+            <a:off x="5238750" y="3730625"/>
             <a:ext cx="355600" cy="311150"/>
           </a:xfrm>
           <a:prstGeom prst="ellipse">
@@ -25631,8 +25451,8 @@
         </p:nvSpPr>
         <p:spPr>
           <a:xfrm>
-            <a:off x="7150100" y="2495550"/>
-            <a:ext cx="1828800" cy="707886"/>
+            <a:off x="7874000" y="2495550"/>
+            <a:ext cx="1828800" cy="584775"/>
           </a:xfrm>
           <a:prstGeom prst="rect">
             <a:avLst/>
@@ -25646,7 +25466,7 @@
           <a:lstStyle/>
           <a:p>
             <a:r>
-              <a:rPr lang="de-DE" sz="4000" dirty="0" smtClean="0">
+              <a:rPr lang="de-DE" sz="3200" dirty="0" smtClean="0">
                 <a:ln w="18415" cmpd="sng">
                   <a:solidFill>
                     <a:srgbClr val="FFFFFF"/>
@@ -25666,7 +25486,7 @@
               </a:rPr>
               <a:t>=f(6,8)</a:t>
             </a:r>
-            <a:endParaRPr lang="de-DE" sz="4000" dirty="0">
+            <a:endParaRPr lang="de-DE" sz="3200" dirty="0">
               <a:ln w="18415" cmpd="sng">
                 <a:solidFill>
                   <a:srgbClr val="FFFFFF"/>
@@ -26041,33 +25861,15 @@
                                   </p:childTnLst>
                                 </p:cTn>
                               </p:par>
-                            </p:childTnLst>
-                          </p:cTn>
-                        </p:par>
-                      </p:childTnLst>
-                    </p:cTn>
-                  </p:par>
-                  <p:par>
-                    <p:cTn id="7" fill="hold">
-                      <p:stCondLst>
-                        <p:cond delay="indefinite"/>
-                      </p:stCondLst>
-                      <p:childTnLst>
-                        <p:par>
-                          <p:cTn id="8" fill="hold">
-                            <p:stCondLst>
-                              <p:cond delay="0"/>
-                            </p:stCondLst>
-                            <p:childTnLst>
                               <p:par>
-                                <p:cTn id="9" presetID="1" presetClass="entr" presetSubtype="0" fill="hold" nodeType="clickEffect">
+                                <p:cTn id="7" presetID="1" presetClass="entr" presetSubtype="0" fill="hold" nodeType="withEffect">
                                   <p:stCondLst>
                                     <p:cond delay="0"/>
                                   </p:stCondLst>
                                   <p:childTnLst>
                                     <p:set>
                                       <p:cBhvr>
-                                        <p:cTn id="10" dur="1" fill="hold">
+                                        <p:cTn id="8" dur="1" fill="hold">
                                           <p:stCondLst>
                                             <p:cond delay="0"/>
                                           </p:stCondLst>
@@ -26140,7 +25942,7 @@
       </p:grpSpPr>
       <p:sp>
         <p:nvSpPr>
-          <p:cNvPr id="4" name="Titel 3"/>
+          <p:cNvPr id="2" name="Titel 1"/>
           <p:cNvSpPr>
             <a:spLocks noGrp="1"/>
           </p:cNvSpPr>
@@ -26154,8 +25956,8 @@
           <a:lstStyle/>
           <a:p>
             <a:r>
-              <a:rPr lang="de-DE" dirty="0" smtClean="0"/>
-              <a:t>Wichtige Begriffe</a:t>
+              <a:rPr lang="de-DE" dirty="0" err="1" smtClean="0"/>
+              <a:t>NaturalSpec</a:t>
             </a:r>
             <a:endParaRPr lang="de-DE" dirty="0"/>
           </a:p>
@@ -26163,7 +25965,7 @@
       </p:sp>
       <p:sp>
         <p:nvSpPr>
-          <p:cNvPr id="5" name="Inhaltsplatzhalter 4"/>
+          <p:cNvPr id="3" name="Inhaltsplatzhalter 2"/>
           <p:cNvSpPr>
             <a:spLocks noGrp="1"/>
           </p:cNvSpPr>
@@ -26178,53 +25980,42 @@
           <a:p>
             <a:r>
               <a:rPr lang="de-DE" dirty="0" smtClean="0"/>
-              <a:t>Funktionale Programmierung</a:t>
-            </a:r>
-          </a:p>
-          <a:p>
-            <a:r>
-              <a:rPr lang="de-DE" dirty="0" err="1"/>
-              <a:t>Idempotent</a:t>
-            </a:r>
-            <a:r>
-              <a:rPr lang="de-DE" dirty="0"/>
-              <a:t> = Frei von Seiteneffekten (pure</a:t>
-            </a:r>
-            <a:r>
-              <a:rPr lang="de-DE" dirty="0" smtClean="0"/>
-              <a:t>)</a:t>
-            </a:r>
-          </a:p>
-          <a:p>
-            <a:r>
-              <a:rPr lang="de-DE" dirty="0" err="1" smtClean="0"/>
-              <a:t>Immutable</a:t>
-            </a:r>
-            <a:r>
-              <a:rPr lang="de-DE" dirty="0" smtClean="0"/>
-              <a:t> = Daten/Objekte ändern sich nicht</a:t>
+              <a:t>Forschungsprojekt</a:t>
             </a:r>
           </a:p>
           <a:p>
             <a:r>
               <a:rPr lang="de-DE" dirty="0" smtClean="0"/>
-              <a:t>DSL = Domain </a:t>
+              <a:t>Fordert und fördert funktionale </a:t>
             </a:r>
             <a:r>
-              <a:rPr lang="de-DE" dirty="0" err="1" smtClean="0"/>
-              <a:t>Specific</a:t>
+              <a:rPr lang="de-DE" dirty="0"/>
+              <a:t>Konzepte und Denkmuster</a:t>
+            </a:r>
+          </a:p>
+          <a:p>
+            <a:r>
+              <a:rPr lang="de-DE" dirty="0"/>
+              <a:t>Anwendung oft in imperativen Sprachen möglich</a:t>
+            </a:r>
+          </a:p>
+          <a:p>
+            <a:r>
+              <a:rPr lang="de-DE" dirty="0"/>
+              <a:t>Einige praxisrelevante Features fehlen </a:t>
             </a:r>
             <a:r>
               <a:rPr lang="de-DE" dirty="0" smtClean="0"/>
-              <a:t> Language</a:t>
+              <a:t>möglicherweise</a:t>
             </a:r>
+            <a:endParaRPr lang="de-DE" dirty="0"/>
           </a:p>
         </p:txBody>
       </p:sp>
     </p:spTree>
     <p:extLst>
       <p:ext uri="{BB962C8B-B14F-4D97-AF65-F5344CB8AC3E}">
-        <p14:creationId xmlns:p14="http://schemas.microsoft.com/office/powerpoint/2010/main" val="4070026161"/>
+        <p14:creationId xmlns:p14="http://schemas.microsoft.com/office/powerpoint/2010/main" val="1510528358"/>
       </p:ext>
     </p:extLst>
   </p:cSld>
@@ -26234,7 +26025,226 @@
   <p:timing>
     <p:tnLst>
       <p:par>
-        <p:cTn id="1" dur="indefinite" restart="never" nodeType="tmRoot"/>
+        <p:cTn id="1" dur="indefinite" restart="never" nodeType="tmRoot">
+          <p:childTnLst>
+            <p:seq concurrent="1" nextAc="seek">
+              <p:cTn id="2" dur="indefinite" nodeType="mainSeq">
+                <p:childTnLst>
+                  <p:par>
+                    <p:cTn id="3" fill="hold">
+                      <p:stCondLst>
+                        <p:cond delay="indefinite"/>
+                      </p:stCondLst>
+                      <p:childTnLst>
+                        <p:par>
+                          <p:cTn id="4" fill="hold">
+                            <p:stCondLst>
+                              <p:cond delay="0"/>
+                            </p:stCondLst>
+                            <p:childTnLst>
+                              <p:par>
+                                <p:cTn id="5" presetID="1" presetClass="entr" presetSubtype="0" fill="hold" nodeType="clickEffect">
+                                  <p:stCondLst>
+                                    <p:cond delay="0"/>
+                                  </p:stCondLst>
+                                  <p:childTnLst>
+                                    <p:set>
+                                      <p:cBhvr>
+                                        <p:cTn id="6" dur="1" fill="hold">
+                                          <p:stCondLst>
+                                            <p:cond delay="0"/>
+                                          </p:stCondLst>
+                                        </p:cTn>
+                                        <p:tgtEl>
+                                          <p:spTgt spid="3">
+                                            <p:txEl>
+                                              <p:pRg st="0" end="0"/>
+                                            </p:txEl>
+                                          </p:spTgt>
+                                        </p:tgtEl>
+                                        <p:attrNameLst>
+                                          <p:attrName>style.visibility</p:attrName>
+                                        </p:attrNameLst>
+                                      </p:cBhvr>
+                                      <p:to>
+                                        <p:strVal val="visible"/>
+                                      </p:to>
+                                    </p:set>
+                                  </p:childTnLst>
+                                </p:cTn>
+                              </p:par>
+                            </p:childTnLst>
+                          </p:cTn>
+                        </p:par>
+                      </p:childTnLst>
+                    </p:cTn>
+                  </p:par>
+                  <p:par>
+                    <p:cTn id="7" fill="hold">
+                      <p:stCondLst>
+                        <p:cond delay="indefinite"/>
+                      </p:stCondLst>
+                      <p:childTnLst>
+                        <p:par>
+                          <p:cTn id="8" fill="hold">
+                            <p:stCondLst>
+                              <p:cond delay="0"/>
+                            </p:stCondLst>
+                            <p:childTnLst>
+                              <p:par>
+                                <p:cTn id="9" presetID="1" presetClass="entr" presetSubtype="0" fill="hold" nodeType="clickEffect">
+                                  <p:stCondLst>
+                                    <p:cond delay="0"/>
+                                  </p:stCondLst>
+                                  <p:childTnLst>
+                                    <p:set>
+                                      <p:cBhvr>
+                                        <p:cTn id="10" dur="1" fill="hold">
+                                          <p:stCondLst>
+                                            <p:cond delay="0"/>
+                                          </p:stCondLst>
+                                        </p:cTn>
+                                        <p:tgtEl>
+                                          <p:spTgt spid="3">
+                                            <p:txEl>
+                                              <p:pRg st="1" end="1"/>
+                                            </p:txEl>
+                                          </p:spTgt>
+                                        </p:tgtEl>
+                                        <p:attrNameLst>
+                                          <p:attrName>style.visibility</p:attrName>
+                                        </p:attrNameLst>
+                                      </p:cBhvr>
+                                      <p:to>
+                                        <p:strVal val="visible"/>
+                                      </p:to>
+                                    </p:set>
+                                  </p:childTnLst>
+                                </p:cTn>
+                              </p:par>
+                            </p:childTnLst>
+                          </p:cTn>
+                        </p:par>
+                      </p:childTnLst>
+                    </p:cTn>
+                  </p:par>
+                  <p:par>
+                    <p:cTn id="11" fill="hold">
+                      <p:stCondLst>
+                        <p:cond delay="indefinite"/>
+                      </p:stCondLst>
+                      <p:childTnLst>
+                        <p:par>
+                          <p:cTn id="12" fill="hold">
+                            <p:stCondLst>
+                              <p:cond delay="0"/>
+                            </p:stCondLst>
+                            <p:childTnLst>
+                              <p:par>
+                                <p:cTn id="13" presetID="1" presetClass="entr" presetSubtype="0" fill="hold" nodeType="clickEffect">
+                                  <p:stCondLst>
+                                    <p:cond delay="0"/>
+                                  </p:stCondLst>
+                                  <p:childTnLst>
+                                    <p:set>
+                                      <p:cBhvr>
+                                        <p:cTn id="14" dur="1" fill="hold">
+                                          <p:stCondLst>
+                                            <p:cond delay="0"/>
+                                          </p:stCondLst>
+                                        </p:cTn>
+                                        <p:tgtEl>
+                                          <p:spTgt spid="3">
+                                            <p:txEl>
+                                              <p:pRg st="2" end="2"/>
+                                            </p:txEl>
+                                          </p:spTgt>
+                                        </p:tgtEl>
+                                        <p:attrNameLst>
+                                          <p:attrName>style.visibility</p:attrName>
+                                        </p:attrNameLst>
+                                      </p:cBhvr>
+                                      <p:to>
+                                        <p:strVal val="visible"/>
+                                      </p:to>
+                                    </p:set>
+                                  </p:childTnLst>
+                                </p:cTn>
+                              </p:par>
+                            </p:childTnLst>
+                          </p:cTn>
+                        </p:par>
+                      </p:childTnLst>
+                    </p:cTn>
+                  </p:par>
+                  <p:par>
+                    <p:cTn id="15" fill="hold">
+                      <p:stCondLst>
+                        <p:cond delay="indefinite"/>
+                      </p:stCondLst>
+                      <p:childTnLst>
+                        <p:par>
+                          <p:cTn id="16" fill="hold">
+                            <p:stCondLst>
+                              <p:cond delay="0"/>
+                            </p:stCondLst>
+                            <p:childTnLst>
+                              <p:par>
+                                <p:cTn id="17" presetID="1" presetClass="entr" presetSubtype="0" fill="hold" nodeType="clickEffect">
+                                  <p:stCondLst>
+                                    <p:cond delay="0"/>
+                                  </p:stCondLst>
+                                  <p:childTnLst>
+                                    <p:set>
+                                      <p:cBhvr>
+                                        <p:cTn id="18" dur="1" fill="hold">
+                                          <p:stCondLst>
+                                            <p:cond delay="0"/>
+                                          </p:stCondLst>
+                                        </p:cTn>
+                                        <p:tgtEl>
+                                          <p:spTgt spid="3">
+                                            <p:txEl>
+                                              <p:pRg st="3" end="3"/>
+                                            </p:txEl>
+                                          </p:spTgt>
+                                        </p:tgtEl>
+                                        <p:attrNameLst>
+                                          <p:attrName>style.visibility</p:attrName>
+                                        </p:attrNameLst>
+                                      </p:cBhvr>
+                                      <p:to>
+                                        <p:strVal val="visible"/>
+                                      </p:to>
+                                    </p:set>
+                                  </p:childTnLst>
+                                </p:cTn>
+                              </p:par>
+                            </p:childTnLst>
+                          </p:cTn>
+                        </p:par>
+                      </p:childTnLst>
+                    </p:cTn>
+                  </p:par>
+                </p:childTnLst>
+              </p:cTn>
+              <p:prevCondLst>
+                <p:cond evt="onPrev" delay="0">
+                  <p:tgtEl>
+                    <p:sldTgt/>
+                  </p:tgtEl>
+                </p:cond>
+              </p:prevCondLst>
+              <p:nextCondLst>
+                <p:cond evt="onNext" delay="0">
+                  <p:tgtEl>
+                    <p:sldTgt/>
+                  </p:tgtEl>
+                </p:cond>
+              </p:nextCondLst>
+            </p:seq>
+          </p:childTnLst>
+        </p:cTn>
       </p:par>
     </p:tnLst>
   </p:timing>
@@ -26242,116 +26252,6 @@
 </file>
 
 <file path=ppt/slides/slide8.xml><?xml version="1.0" encoding="utf-8"?>
-<p:sld xmlns:a="http://schemas.openxmlformats.org/drawingml/2006/main" xmlns:r="http://schemas.openxmlformats.org/officeDocument/2006/relationships" xmlns:p="http://schemas.openxmlformats.org/presentationml/2006/main">
-  <p:cSld>
-    <p:spTree>
-      <p:nvGrpSpPr>
-        <p:cNvPr id="1" name=""/>
-        <p:cNvGrpSpPr/>
-        <p:nvPr/>
-      </p:nvGrpSpPr>
-      <p:grpSpPr>
-        <a:xfrm>
-          <a:off x="0" y="0"/>
-          <a:ext cx="0" cy="0"/>
-          <a:chOff x="0" y="0"/>
-          <a:chExt cx="0" cy="0"/>
-        </a:xfrm>
-      </p:grpSpPr>
-      <p:sp>
-        <p:nvSpPr>
-          <p:cNvPr id="4" name="Titel 3"/>
-          <p:cNvSpPr>
-            <a:spLocks noGrp="1"/>
-          </p:cNvSpPr>
-          <p:nvPr>
-            <p:ph type="title"/>
-          </p:nvPr>
-        </p:nvSpPr>
-        <p:spPr/>
-        <p:txBody>
-          <a:bodyPr/>
-          <a:lstStyle/>
-          <a:p>
-            <a:r>
-              <a:rPr lang="de-DE" dirty="0" smtClean="0"/>
-              <a:t>Akzeptanztest</a:t>
-            </a:r>
-            <a:endParaRPr lang="de-DE" dirty="0"/>
-          </a:p>
-        </p:txBody>
-      </p:sp>
-      <p:sp>
-        <p:nvSpPr>
-          <p:cNvPr id="5" name="Inhaltsplatzhalter 4"/>
-          <p:cNvSpPr>
-            <a:spLocks noGrp="1"/>
-          </p:cNvSpPr>
-          <p:nvPr>
-            <p:ph idx="1"/>
-          </p:nvPr>
-        </p:nvSpPr>
-        <p:spPr/>
-        <p:txBody>
-          <a:bodyPr/>
-          <a:lstStyle/>
-          <a:p>
-            <a:r>
-              <a:rPr lang="de-DE" dirty="0" err="1" smtClean="0"/>
-              <a:t>Immutable</a:t>
-            </a:r>
-            <a:r>
-              <a:rPr lang="de-DE" dirty="0" smtClean="0"/>
-              <a:t> = Daten/Objekte ändern sich nicht</a:t>
-            </a:r>
-          </a:p>
-          <a:p>
-            <a:r>
-              <a:rPr lang="de-DE" dirty="0" err="1" smtClean="0"/>
-              <a:t>Idempotent</a:t>
-            </a:r>
-            <a:r>
-              <a:rPr lang="de-DE" dirty="0" smtClean="0"/>
-              <a:t> = Frei von Seiteneffekten (pure)</a:t>
-            </a:r>
-          </a:p>
-          <a:p>
-            <a:r>
-              <a:rPr lang="de-DE" dirty="0" smtClean="0"/>
-              <a:t>DSL = Domain </a:t>
-            </a:r>
-            <a:r>
-              <a:rPr lang="de-DE" dirty="0" err="1" smtClean="0"/>
-              <a:t>Specific</a:t>
-            </a:r>
-            <a:r>
-              <a:rPr lang="de-DE" dirty="0" smtClean="0"/>
-              <a:t> Language</a:t>
-            </a:r>
-          </a:p>
-        </p:txBody>
-      </p:sp>
-    </p:spTree>
-    <p:extLst>
-      <p:ext uri="{BB962C8B-B14F-4D97-AF65-F5344CB8AC3E}">
-        <p14:creationId xmlns:p14="http://schemas.microsoft.com/office/powerpoint/2010/main" val="2514308980"/>
-      </p:ext>
-    </p:extLst>
-  </p:cSld>
-  <p:clrMapOvr>
-    <a:masterClrMapping/>
-  </p:clrMapOvr>
-  <p:timing>
-    <p:tnLst>
-      <p:par>
-        <p:cTn id="1" dur="indefinite" restart="never" nodeType="tmRoot"/>
-      </p:par>
-    </p:tnLst>
-  </p:timing>
-</p:sld>
-</file>
-
-<file path=ppt/slides/slide9.xml><?xml version="1.0" encoding="utf-8"?>
 <p:sld xmlns:a="http://schemas.openxmlformats.org/drawingml/2006/main" xmlns:r="http://schemas.openxmlformats.org/officeDocument/2006/relationships" xmlns:p="http://schemas.openxmlformats.org/presentationml/2006/main">
   <p:cSld>
     <p:spTree>
@@ -26384,12 +26284,12 @@
           <a:lstStyle/>
           <a:p>
             <a:r>
-              <a:rPr lang="de-DE" dirty="0" smtClean="0"/>
-              <a:t>Forschungsprojekt: </a:t>
+              <a:rPr lang="de-DE" dirty="0" err="1" smtClean="0"/>
+              <a:t>NaturalSpec</a:t>
             </a:r>
             <a:r>
-              <a:rPr lang="de-DE" dirty="0" err="1" smtClean="0"/>
-              <a:t>NaturalSpec</a:t>
+              <a:rPr lang="de-DE" dirty="0" smtClean="0"/>
+              <a:t> - Ziele</a:t>
             </a:r>
             <a:endParaRPr lang="de-DE" dirty="0"/>
           </a:p>
@@ -26410,42 +26310,335 @@
           <a:bodyPr/>
           <a:lstStyle/>
           <a:p>
-            <a:pPr lvl="0"/>
             <a:r>
-              <a:rPr lang="de-DE" sz="4400" dirty="0"/>
-              <a:t>Keine </a:t>
-            </a:r>
-            <a:r>
-              <a:rPr lang="de-DE" sz="4400" dirty="0" smtClean="0"/>
-              <a:t>Werbeveranstaltung</a:t>
-            </a:r>
-            <a:endParaRPr lang="de-DE" sz="4400" dirty="0"/>
-          </a:p>
-          <a:p>
-            <a:pPr lvl="1"/>
-            <a:r>
-              <a:rPr lang="de-DE" sz="4000" dirty="0"/>
-              <a:t>Funktionale Konzepte und Denkmuster</a:t>
+              <a:rPr lang="de-DE" dirty="0" smtClean="0"/>
+              <a:t>Entwickeln einer DSL die von Domänenexperten min. gelesen werden kann </a:t>
             </a:r>
           </a:p>
           <a:p>
-            <a:pPr lvl="1"/>
             <a:r>
-              <a:rPr lang="de-DE" sz="4000" dirty="0"/>
-              <a:t>Anwendung oft in imperativen Sprachen </a:t>
+              <a:rPr lang="de-DE" dirty="0" smtClean="0"/>
+              <a:t>Syntax so nah wie möglich an natürliche Sprache anpassen</a:t>
             </a:r>
+            <a:endParaRPr lang="de-DE" dirty="0"/>
+          </a:p>
+          <a:p>
             <a:r>
-              <a:rPr lang="de-DE" sz="4000" dirty="0" smtClean="0"/>
-              <a:t>möglich</a:t>
+              <a:rPr lang="de-DE" dirty="0" smtClean="0"/>
+              <a:t>Erkenntnisse über Tests gewinnen</a:t>
             </a:r>
-            <a:endParaRPr lang="de-DE" sz="4000" dirty="0"/>
+            <a:endParaRPr lang="de-DE" dirty="0"/>
+          </a:p>
+          <a:p>
+            <a:r>
+              <a:rPr lang="de-DE" dirty="0" smtClean="0"/>
+              <a:t>Erkenntnisse über in F# integrierte DSLs gewinnen</a:t>
+            </a:r>
+            <a:endParaRPr lang="de-DE" dirty="0"/>
           </a:p>
         </p:txBody>
       </p:sp>
     </p:spTree>
     <p:extLst>
       <p:ext uri="{BB962C8B-B14F-4D97-AF65-F5344CB8AC3E}">
-        <p14:creationId xmlns:p14="http://schemas.microsoft.com/office/powerpoint/2010/main" val="1692931572"/>
+        <p14:creationId xmlns:p14="http://schemas.microsoft.com/office/powerpoint/2010/main" val="3700719731"/>
+      </p:ext>
+    </p:extLst>
+  </p:cSld>
+  <p:clrMapOvr>
+    <a:masterClrMapping/>
+  </p:clrMapOvr>
+  <p:timing>
+    <p:tnLst>
+      <p:par>
+        <p:cTn id="1" dur="indefinite" restart="never" nodeType="tmRoot">
+          <p:childTnLst>
+            <p:seq concurrent="1" nextAc="seek">
+              <p:cTn id="2" dur="indefinite" nodeType="mainSeq">
+                <p:childTnLst>
+                  <p:par>
+                    <p:cTn id="3" fill="hold">
+                      <p:stCondLst>
+                        <p:cond delay="indefinite"/>
+                      </p:stCondLst>
+                      <p:childTnLst>
+                        <p:par>
+                          <p:cTn id="4" fill="hold">
+                            <p:stCondLst>
+                              <p:cond delay="0"/>
+                            </p:stCondLst>
+                            <p:childTnLst>
+                              <p:par>
+                                <p:cTn id="5" presetID="1" presetClass="entr" presetSubtype="0" fill="hold" nodeType="clickEffect">
+                                  <p:stCondLst>
+                                    <p:cond delay="0"/>
+                                  </p:stCondLst>
+                                  <p:childTnLst>
+                                    <p:set>
+                                      <p:cBhvr>
+                                        <p:cTn id="6" dur="1" fill="hold">
+                                          <p:stCondLst>
+                                            <p:cond delay="0"/>
+                                          </p:stCondLst>
+                                        </p:cTn>
+                                        <p:tgtEl>
+                                          <p:spTgt spid="3">
+                                            <p:txEl>
+                                              <p:pRg st="0" end="0"/>
+                                            </p:txEl>
+                                          </p:spTgt>
+                                        </p:tgtEl>
+                                        <p:attrNameLst>
+                                          <p:attrName>style.visibility</p:attrName>
+                                        </p:attrNameLst>
+                                      </p:cBhvr>
+                                      <p:to>
+                                        <p:strVal val="visible"/>
+                                      </p:to>
+                                    </p:set>
+                                  </p:childTnLst>
+                                </p:cTn>
+                              </p:par>
+                            </p:childTnLst>
+                          </p:cTn>
+                        </p:par>
+                      </p:childTnLst>
+                    </p:cTn>
+                  </p:par>
+                  <p:par>
+                    <p:cTn id="7" fill="hold">
+                      <p:stCondLst>
+                        <p:cond delay="indefinite"/>
+                      </p:stCondLst>
+                      <p:childTnLst>
+                        <p:par>
+                          <p:cTn id="8" fill="hold">
+                            <p:stCondLst>
+                              <p:cond delay="0"/>
+                            </p:stCondLst>
+                            <p:childTnLst>
+                              <p:par>
+                                <p:cTn id="9" presetID="1" presetClass="entr" presetSubtype="0" fill="hold" nodeType="clickEffect">
+                                  <p:stCondLst>
+                                    <p:cond delay="0"/>
+                                  </p:stCondLst>
+                                  <p:childTnLst>
+                                    <p:set>
+                                      <p:cBhvr>
+                                        <p:cTn id="10" dur="1" fill="hold">
+                                          <p:stCondLst>
+                                            <p:cond delay="0"/>
+                                          </p:stCondLst>
+                                        </p:cTn>
+                                        <p:tgtEl>
+                                          <p:spTgt spid="3">
+                                            <p:txEl>
+                                              <p:pRg st="1" end="1"/>
+                                            </p:txEl>
+                                          </p:spTgt>
+                                        </p:tgtEl>
+                                        <p:attrNameLst>
+                                          <p:attrName>style.visibility</p:attrName>
+                                        </p:attrNameLst>
+                                      </p:cBhvr>
+                                      <p:to>
+                                        <p:strVal val="visible"/>
+                                      </p:to>
+                                    </p:set>
+                                  </p:childTnLst>
+                                </p:cTn>
+                              </p:par>
+                            </p:childTnLst>
+                          </p:cTn>
+                        </p:par>
+                      </p:childTnLst>
+                    </p:cTn>
+                  </p:par>
+                  <p:par>
+                    <p:cTn id="11" fill="hold">
+                      <p:stCondLst>
+                        <p:cond delay="indefinite"/>
+                      </p:stCondLst>
+                      <p:childTnLst>
+                        <p:par>
+                          <p:cTn id="12" fill="hold">
+                            <p:stCondLst>
+                              <p:cond delay="0"/>
+                            </p:stCondLst>
+                            <p:childTnLst>
+                              <p:par>
+                                <p:cTn id="13" presetID="1" presetClass="entr" presetSubtype="0" fill="hold" nodeType="clickEffect">
+                                  <p:stCondLst>
+                                    <p:cond delay="0"/>
+                                  </p:stCondLst>
+                                  <p:childTnLst>
+                                    <p:set>
+                                      <p:cBhvr>
+                                        <p:cTn id="14" dur="1" fill="hold">
+                                          <p:stCondLst>
+                                            <p:cond delay="0"/>
+                                          </p:stCondLst>
+                                        </p:cTn>
+                                        <p:tgtEl>
+                                          <p:spTgt spid="3">
+                                            <p:txEl>
+                                              <p:pRg st="2" end="2"/>
+                                            </p:txEl>
+                                          </p:spTgt>
+                                        </p:tgtEl>
+                                        <p:attrNameLst>
+                                          <p:attrName>style.visibility</p:attrName>
+                                        </p:attrNameLst>
+                                      </p:cBhvr>
+                                      <p:to>
+                                        <p:strVal val="visible"/>
+                                      </p:to>
+                                    </p:set>
+                                  </p:childTnLst>
+                                </p:cTn>
+                              </p:par>
+                            </p:childTnLst>
+                          </p:cTn>
+                        </p:par>
+                      </p:childTnLst>
+                    </p:cTn>
+                  </p:par>
+                  <p:par>
+                    <p:cTn id="15" fill="hold">
+                      <p:stCondLst>
+                        <p:cond delay="indefinite"/>
+                      </p:stCondLst>
+                      <p:childTnLst>
+                        <p:par>
+                          <p:cTn id="16" fill="hold">
+                            <p:stCondLst>
+                              <p:cond delay="0"/>
+                            </p:stCondLst>
+                            <p:childTnLst>
+                              <p:par>
+                                <p:cTn id="17" presetID="1" presetClass="entr" presetSubtype="0" fill="hold" nodeType="clickEffect">
+                                  <p:stCondLst>
+                                    <p:cond delay="0"/>
+                                  </p:stCondLst>
+                                  <p:childTnLst>
+                                    <p:set>
+                                      <p:cBhvr>
+                                        <p:cTn id="18" dur="1" fill="hold">
+                                          <p:stCondLst>
+                                            <p:cond delay="0"/>
+                                          </p:stCondLst>
+                                        </p:cTn>
+                                        <p:tgtEl>
+                                          <p:spTgt spid="3">
+                                            <p:txEl>
+                                              <p:pRg st="3" end="3"/>
+                                            </p:txEl>
+                                          </p:spTgt>
+                                        </p:tgtEl>
+                                        <p:attrNameLst>
+                                          <p:attrName>style.visibility</p:attrName>
+                                        </p:attrNameLst>
+                                      </p:cBhvr>
+                                      <p:to>
+                                        <p:strVal val="visible"/>
+                                      </p:to>
+                                    </p:set>
+                                  </p:childTnLst>
+                                </p:cTn>
+                              </p:par>
+                            </p:childTnLst>
+                          </p:cTn>
+                        </p:par>
+                      </p:childTnLst>
+                    </p:cTn>
+                  </p:par>
+                </p:childTnLst>
+              </p:cTn>
+              <p:prevCondLst>
+                <p:cond evt="onPrev" delay="0">
+                  <p:tgtEl>
+                    <p:sldTgt/>
+                  </p:tgtEl>
+                </p:cond>
+              </p:prevCondLst>
+              <p:nextCondLst>
+                <p:cond evt="onNext" delay="0">
+                  <p:tgtEl>
+                    <p:sldTgt/>
+                  </p:tgtEl>
+                </p:cond>
+              </p:nextCondLst>
+            </p:seq>
+          </p:childTnLst>
+        </p:cTn>
+      </p:par>
+    </p:tnLst>
+  </p:timing>
+</p:sld>
+</file>
+
+<file path=ppt/slides/slide9.xml><?xml version="1.0" encoding="utf-8"?>
+<p:sld xmlns:a="http://schemas.openxmlformats.org/drawingml/2006/main" xmlns:r="http://schemas.openxmlformats.org/officeDocument/2006/relationships" xmlns:p="http://schemas.openxmlformats.org/presentationml/2006/main">
+  <p:cSld>
+    <p:spTree>
+      <p:nvGrpSpPr>
+        <p:cNvPr id="1" name=""/>
+        <p:cNvGrpSpPr/>
+        <p:nvPr/>
+      </p:nvGrpSpPr>
+      <p:grpSpPr>
+        <a:xfrm>
+          <a:off x="0" y="0"/>
+          <a:ext cx="0" cy="0"/>
+          <a:chOff x="0" y="0"/>
+          <a:chExt cx="0" cy="0"/>
+        </a:xfrm>
+      </p:grpSpPr>
+      <p:sp>
+        <p:nvSpPr>
+          <p:cNvPr id="4" name="Titel 3"/>
+          <p:cNvSpPr>
+            <a:spLocks noGrp="1"/>
+          </p:cNvSpPr>
+          <p:nvPr>
+            <p:ph type="ctrTitle"/>
+          </p:nvPr>
+        </p:nvSpPr>
+        <p:spPr>
+          <a:xfrm>
+            <a:off x="755650" y="2492375"/>
+            <a:ext cx="7777163" cy="1800225"/>
+          </a:xfrm>
+        </p:spPr>
+        <p:txBody>
+          <a:bodyPr/>
+          <a:lstStyle/>
+          <a:p>
+            <a:pPr algn="ctr" fontAlgn="auto">
+              <a:spcAft>
+                <a:spcPts val="0"/>
+              </a:spcAft>
+              <a:defRPr/>
+            </a:pPr>
+            <a:r>
+              <a:rPr lang="de-DE" sz="8800" dirty="0" smtClean="0">
+                <a:solidFill>
+                  <a:schemeClr val="tx1">
+                    <a:lumMod val="85000"/>
+                    <a:lumOff val="15000"/>
+                  </a:schemeClr>
+                </a:solidFill>
+              </a:rPr>
+              <a:t>Demo</a:t>
+            </a:r>
+            <a:endParaRPr lang="de-DE" sz="8800" dirty="0"/>
+          </a:p>
+        </p:txBody>
+      </p:sp>
+    </p:spTree>
+    <p:extLst>
+      <p:ext uri="{BB962C8B-B14F-4D97-AF65-F5344CB8AC3E}">
+        <p14:creationId xmlns:p14="http://schemas.microsoft.com/office/powerpoint/2010/main" val="2618215336"/>
       </p:ext>
     </p:extLst>
   </p:cSld>

--- a/slides/NaturalSpec_ADC2011_German.pptx
+++ b/slides/NaturalSpec_ADC2011_German.pptx
@@ -5,10 +5,10 @@
     <p:sldMasterId id="2147483648" r:id="rId1"/>
   </p:sldMasterIdLst>
   <p:notesMasterIdLst>
-    <p:notesMasterId r:id="rId15"/>
+    <p:notesMasterId r:id="rId16"/>
   </p:notesMasterIdLst>
   <p:handoutMasterIdLst>
-    <p:handoutMasterId r:id="rId16"/>
+    <p:handoutMasterId r:id="rId17"/>
   </p:handoutMasterIdLst>
   <p:sldIdLst>
     <p:sldId id="256" r:id="rId2"/>
@@ -20,10 +20,11 @@
     <p:sldId id="271" r:id="rId8"/>
     <p:sldId id="272" r:id="rId9"/>
     <p:sldId id="270" r:id="rId10"/>
-    <p:sldId id="258" r:id="rId11"/>
-    <p:sldId id="260" r:id="rId12"/>
-    <p:sldId id="259" r:id="rId13"/>
-    <p:sldId id="261" r:id="rId14"/>
+    <p:sldId id="273" r:id="rId11"/>
+    <p:sldId id="258" r:id="rId12"/>
+    <p:sldId id="260" r:id="rId13"/>
+    <p:sldId id="259" r:id="rId14"/>
+    <p:sldId id="261" r:id="rId15"/>
   </p:sldIdLst>
   <p:sldSz cx="9144000" cy="6858000" type="screen4x3"/>
   <p:notesSz cx="6858000" cy="9144000"/>
@@ -1409,7 +1410,7 @@
               <a:pPr>
                 <a:defRPr/>
               </a:pPr>
-              <a:t>05.02.2011</a:t>
+              <a:t>14.02.2011</a:t>
             </a:fld>
             <a:endParaRPr lang="de-DE"/>
           </a:p>
@@ -1878,7 +1879,7 @@
               <a:pPr>
                 <a:defRPr/>
               </a:pPr>
-              <a:t>12</a:t>
+              <a:t>10</a:t>
             </a:fld>
             <a:endParaRPr lang="de-DE"/>
           </a:p>
@@ -1887,7 +1888,7 @@
     </p:spTree>
     <p:extLst>
       <p:ext uri="{BB962C8B-B14F-4D97-AF65-F5344CB8AC3E}">
-        <p14:creationId xmlns:p14="http://schemas.microsoft.com/office/powerpoint/2010/main" val="2653397319"/>
+        <p14:creationId xmlns:p14="http://schemas.microsoft.com/office/powerpoint/2010/main" val="1611069267"/>
       </p:ext>
     </p:extLst>
   </p:cSld>
@@ -1968,7 +1969,448 @@
               <a:pPr>
                 <a:defRPr/>
               </a:pPr>
+              <a:t>11</a:t>
+            </a:fld>
+            <a:endParaRPr lang="de-DE"/>
+          </a:p>
+        </p:txBody>
+      </p:sp>
+    </p:spTree>
+    <p:extLst>
+      <p:ext uri="{BB962C8B-B14F-4D97-AF65-F5344CB8AC3E}">
+        <p14:creationId xmlns:p14="http://schemas.microsoft.com/office/powerpoint/2010/main" val="4088216683"/>
+      </p:ext>
+    </p:extLst>
+  </p:cSld>
+  <p:clrMapOvr>
+    <a:masterClrMapping/>
+  </p:clrMapOvr>
+</p:notes>
+</file>
+
+<file path=ppt/notesSlides/notesSlide12.xml><?xml version="1.0" encoding="utf-8"?>
+<p:notes xmlns:a="http://schemas.openxmlformats.org/drawingml/2006/main" xmlns:r="http://schemas.openxmlformats.org/officeDocument/2006/relationships" xmlns:p="http://schemas.openxmlformats.org/presentationml/2006/main">
+  <p:cSld>
+    <p:spTree>
+      <p:nvGrpSpPr>
+        <p:cNvPr id="1" name=""/>
+        <p:cNvGrpSpPr/>
+        <p:nvPr/>
+      </p:nvGrpSpPr>
+      <p:grpSpPr>
+        <a:xfrm>
+          <a:off x="0" y="0"/>
+          <a:ext cx="0" cy="0"/>
+          <a:chOff x="0" y="0"/>
+          <a:chExt cx="0" cy="0"/>
+        </a:xfrm>
+      </p:grpSpPr>
+      <p:sp>
+        <p:nvSpPr>
+          <p:cNvPr id="12290" name="Folienbildplatzhalter 1"/>
+          <p:cNvSpPr>
+            <a:spLocks noGrp="1" noRot="1" noChangeAspect="1" noTextEdit="1"/>
+          </p:cNvSpPr>
+          <p:nvPr>
+            <p:ph type="sldImg"/>
+          </p:nvPr>
+        </p:nvSpPr>
+        <p:spPr bwMode="auto">
+          <a:noFill/>
+          <a:ln>
+            <a:solidFill>
+              <a:srgbClr val="000000"/>
+            </a:solidFill>
+            <a:miter lim="800000"/>
+            <a:headEnd/>
+            <a:tailEnd/>
+          </a:ln>
+          <a:extLst>
+            <a:ext uri="{909E8E84-426E-40DD-AFC4-6F175D3DCCD1}">
+              <a14:hiddenFill xmlns:a14="http://schemas.microsoft.com/office/drawing/2010/main">
+                <a:solidFill>
+                  <a:srgbClr val="FFFFFF"/>
+                </a:solidFill>
+              </a14:hiddenFill>
+            </a:ext>
+          </a:extLst>
+        </p:spPr>
+      </p:sp>
+      <p:sp>
+        <p:nvSpPr>
+          <p:cNvPr id="12291" name="Notizenplatzhalter 2"/>
+          <p:cNvSpPr>
+            <a:spLocks noGrp="1"/>
+          </p:cNvSpPr>
+          <p:nvPr>
+            <p:ph type="body" idx="1"/>
+          </p:nvPr>
+        </p:nvSpPr>
+        <p:spPr bwMode="auto">
+          <a:noFill/>
+          <a:extLst>
+            <a:ext uri="{909E8E84-426E-40DD-AFC4-6F175D3DCCD1}">
+              <a14:hiddenFill xmlns:a14="http://schemas.microsoft.com/office/drawing/2010/main">
+                <a:solidFill>
+                  <a:srgbClr val="FFFFFF"/>
+                </a:solidFill>
+              </a14:hiddenFill>
+            </a:ext>
+            <a:ext uri="{91240B29-F687-4F45-9708-019B960494DF}">
+              <a14:hiddenLine xmlns:a14="http://schemas.microsoft.com/office/drawing/2010/main" w="9525">
+                <a:solidFill>
+                  <a:srgbClr val="000000"/>
+                </a:solidFill>
+                <a:miter lim="800000"/>
+                <a:headEnd/>
+                <a:tailEnd/>
+              </a14:hiddenLine>
+            </a:ext>
+          </a:extLst>
+        </p:spPr>
+        <p:txBody>
+          <a:bodyPr wrap="square" numCol="1" anchor="t" anchorCtr="0" compatLnSpc="1">
+            <a:prstTxWarp prst="textNoShape">
+              <a:avLst/>
+            </a:prstTxWarp>
+          </a:bodyPr>
+          <a:lstStyle/>
+          <a:p>
+            <a:pPr eaLnBrk="1" hangingPunct="1">
+              <a:spcBef>
+                <a:spcPct val="0"/>
+              </a:spcBef>
+            </a:pPr>
+            <a:endParaRPr lang="de-DE" smtClean="0"/>
+          </a:p>
+        </p:txBody>
+      </p:sp>
+      <p:sp>
+        <p:nvSpPr>
+          <p:cNvPr id="12292" name="Foliennummernplatzhalter 3"/>
+          <p:cNvSpPr>
+            <a:spLocks noGrp="1"/>
+          </p:cNvSpPr>
+          <p:nvPr>
+            <p:ph type="sldNum" sz="quarter" idx="5"/>
+          </p:nvPr>
+        </p:nvSpPr>
+        <p:spPr bwMode="auto">
+          <a:noFill/>
+          <a:extLst>
+            <a:ext uri="{909E8E84-426E-40DD-AFC4-6F175D3DCCD1}">
+              <a14:hiddenFill xmlns:a14="http://schemas.microsoft.com/office/drawing/2010/main">
+                <a:solidFill>
+                  <a:srgbClr val="FFFFFF"/>
+                </a:solidFill>
+              </a14:hiddenFill>
+            </a:ext>
+            <a:ext uri="{91240B29-F687-4F45-9708-019B960494DF}">
+              <a14:hiddenLine xmlns:a14="http://schemas.microsoft.com/office/drawing/2010/main" w="9525">
+                <a:solidFill>
+                  <a:srgbClr val="000000"/>
+                </a:solidFill>
+                <a:miter lim="800000"/>
+                <a:headEnd/>
+                <a:tailEnd/>
+              </a14:hiddenLine>
+            </a:ext>
+          </a:extLst>
+        </p:spPr>
+        <p:txBody>
+          <a:bodyPr wrap="square" numCol="1" anchorCtr="0" compatLnSpc="1">
+            <a:prstTxWarp prst="textNoShape">
+              <a:avLst/>
+            </a:prstTxWarp>
+          </a:bodyPr>
+          <a:lstStyle>
+            <a:lvl1pPr eaLnBrk="0" hangingPunct="0">
+              <a:defRPr>
+                <a:solidFill>
+                  <a:schemeClr val="tx1"/>
+                </a:solidFill>
+                <a:latin typeface="Calibri" pitchFamily="34" charset="0"/>
+                <a:cs typeface="Arial" pitchFamily="34" charset="0"/>
+              </a:defRPr>
+            </a:lvl1pPr>
+            <a:lvl2pPr marL="742950" indent="-285750" eaLnBrk="0" hangingPunct="0">
+              <a:defRPr>
+                <a:solidFill>
+                  <a:schemeClr val="tx1"/>
+                </a:solidFill>
+                <a:latin typeface="Calibri" pitchFamily="34" charset="0"/>
+                <a:cs typeface="Arial" pitchFamily="34" charset="0"/>
+              </a:defRPr>
+            </a:lvl2pPr>
+            <a:lvl3pPr marL="1143000" indent="-228600" eaLnBrk="0" hangingPunct="0">
+              <a:defRPr>
+                <a:solidFill>
+                  <a:schemeClr val="tx1"/>
+                </a:solidFill>
+                <a:latin typeface="Calibri" pitchFamily="34" charset="0"/>
+                <a:cs typeface="Arial" pitchFamily="34" charset="0"/>
+              </a:defRPr>
+            </a:lvl3pPr>
+            <a:lvl4pPr marL="1600200" indent="-228600" eaLnBrk="0" hangingPunct="0">
+              <a:defRPr>
+                <a:solidFill>
+                  <a:schemeClr val="tx1"/>
+                </a:solidFill>
+                <a:latin typeface="Calibri" pitchFamily="34" charset="0"/>
+                <a:cs typeface="Arial" pitchFamily="34" charset="0"/>
+              </a:defRPr>
+            </a:lvl4pPr>
+            <a:lvl5pPr marL="2057400" indent="-228600" eaLnBrk="0" hangingPunct="0">
+              <a:defRPr>
+                <a:solidFill>
+                  <a:schemeClr val="tx1"/>
+                </a:solidFill>
+                <a:latin typeface="Calibri" pitchFamily="34" charset="0"/>
+                <a:cs typeface="Arial" pitchFamily="34" charset="0"/>
+              </a:defRPr>
+            </a:lvl5pPr>
+            <a:lvl6pPr marL="2514600" indent="-228600" eaLnBrk="0" fontAlgn="base" hangingPunct="0">
+              <a:spcBef>
+                <a:spcPct val="0"/>
+              </a:spcBef>
+              <a:spcAft>
+                <a:spcPct val="0"/>
+              </a:spcAft>
+              <a:defRPr>
+                <a:solidFill>
+                  <a:schemeClr val="tx1"/>
+                </a:solidFill>
+                <a:latin typeface="Calibri" pitchFamily="34" charset="0"/>
+                <a:cs typeface="Arial" pitchFamily="34" charset="0"/>
+              </a:defRPr>
+            </a:lvl6pPr>
+            <a:lvl7pPr marL="2971800" indent="-228600" eaLnBrk="0" fontAlgn="base" hangingPunct="0">
+              <a:spcBef>
+                <a:spcPct val="0"/>
+              </a:spcBef>
+              <a:spcAft>
+                <a:spcPct val="0"/>
+              </a:spcAft>
+              <a:defRPr>
+                <a:solidFill>
+                  <a:schemeClr val="tx1"/>
+                </a:solidFill>
+                <a:latin typeface="Calibri" pitchFamily="34" charset="0"/>
+                <a:cs typeface="Arial" pitchFamily="34" charset="0"/>
+              </a:defRPr>
+            </a:lvl7pPr>
+            <a:lvl8pPr marL="3429000" indent="-228600" eaLnBrk="0" fontAlgn="base" hangingPunct="0">
+              <a:spcBef>
+                <a:spcPct val="0"/>
+              </a:spcBef>
+              <a:spcAft>
+                <a:spcPct val="0"/>
+              </a:spcAft>
+              <a:defRPr>
+                <a:solidFill>
+                  <a:schemeClr val="tx1"/>
+                </a:solidFill>
+                <a:latin typeface="Calibri" pitchFamily="34" charset="0"/>
+                <a:cs typeface="Arial" pitchFamily="34" charset="0"/>
+              </a:defRPr>
+            </a:lvl8pPr>
+            <a:lvl9pPr marL="3886200" indent="-228600" eaLnBrk="0" fontAlgn="base" hangingPunct="0">
+              <a:spcBef>
+                <a:spcPct val="0"/>
+              </a:spcBef>
+              <a:spcAft>
+                <a:spcPct val="0"/>
+              </a:spcAft>
+              <a:defRPr>
+                <a:solidFill>
+                  <a:schemeClr val="tx1"/>
+                </a:solidFill>
+                <a:latin typeface="Calibri" pitchFamily="34" charset="0"/>
+                <a:cs typeface="Arial" pitchFamily="34" charset="0"/>
+              </a:defRPr>
+            </a:lvl9pPr>
+          </a:lstStyle>
+          <a:p>
+            <a:pPr eaLnBrk="1" hangingPunct="1"/>
+            <a:fld id="{1E3DF408-A7DD-4355-8132-09DDD024983B}" type="slidenum">
+              <a:rPr lang="de-DE" smtClean="0"/>
+              <a:pPr eaLnBrk="1" hangingPunct="1"/>
+              <a:t>12</a:t>
+            </a:fld>
+            <a:endParaRPr lang="de-DE" smtClean="0"/>
+          </a:p>
+        </p:txBody>
+      </p:sp>
+    </p:spTree>
+  </p:cSld>
+  <p:clrMapOvr>
+    <a:masterClrMapping/>
+  </p:clrMapOvr>
+</p:notes>
+</file>
+
+<file path=ppt/notesSlides/notesSlide13.xml><?xml version="1.0" encoding="utf-8"?>
+<p:notes xmlns:a="http://schemas.openxmlformats.org/drawingml/2006/main" xmlns:r="http://schemas.openxmlformats.org/officeDocument/2006/relationships" xmlns:p="http://schemas.openxmlformats.org/presentationml/2006/main">
+  <p:cSld>
+    <p:spTree>
+      <p:nvGrpSpPr>
+        <p:cNvPr id="1" name=""/>
+        <p:cNvGrpSpPr/>
+        <p:nvPr/>
+      </p:nvGrpSpPr>
+      <p:grpSpPr>
+        <a:xfrm>
+          <a:off x="0" y="0"/>
+          <a:ext cx="0" cy="0"/>
+          <a:chOff x="0" y="0"/>
+          <a:chExt cx="0" cy="0"/>
+        </a:xfrm>
+      </p:grpSpPr>
+      <p:sp>
+        <p:nvSpPr>
+          <p:cNvPr id="2" name="Folienbildplatzhalter 1"/>
+          <p:cNvSpPr>
+            <a:spLocks noGrp="1" noRot="1" noChangeAspect="1"/>
+          </p:cNvSpPr>
+          <p:nvPr>
+            <p:ph type="sldImg"/>
+          </p:nvPr>
+        </p:nvSpPr>
+        <p:spPr/>
+      </p:sp>
+      <p:sp>
+        <p:nvSpPr>
+          <p:cNvPr id="3" name="Notizenplatzhalter 2"/>
+          <p:cNvSpPr>
+            <a:spLocks noGrp="1"/>
+          </p:cNvSpPr>
+          <p:nvPr>
+            <p:ph type="body" idx="1"/>
+          </p:nvPr>
+        </p:nvSpPr>
+        <p:spPr/>
+        <p:txBody>
+          <a:bodyPr/>
+          <a:lstStyle/>
+          <a:p>
+            <a:endParaRPr lang="de-DE"/>
+          </a:p>
+        </p:txBody>
+      </p:sp>
+      <p:sp>
+        <p:nvSpPr>
+          <p:cNvPr id="4" name="Foliennummernplatzhalter 3"/>
+          <p:cNvSpPr>
+            <a:spLocks noGrp="1"/>
+          </p:cNvSpPr>
+          <p:nvPr>
+            <p:ph type="sldNum" sz="quarter" idx="10"/>
+          </p:nvPr>
+        </p:nvSpPr>
+        <p:spPr/>
+        <p:txBody>
+          <a:bodyPr/>
+          <a:lstStyle/>
+          <a:p>
+            <a:pPr>
+              <a:defRPr/>
+            </a:pPr>
+            <a:fld id="{571DBBDA-32F8-4515-AE76-A45DB78243F9}" type="slidenum">
+              <a:rPr lang="de-DE" smtClean="0"/>
+              <a:pPr>
+                <a:defRPr/>
+              </a:pPr>
               <a:t>13</a:t>
+            </a:fld>
+            <a:endParaRPr lang="de-DE"/>
+          </a:p>
+        </p:txBody>
+      </p:sp>
+    </p:spTree>
+    <p:extLst>
+      <p:ext uri="{BB962C8B-B14F-4D97-AF65-F5344CB8AC3E}">
+        <p14:creationId xmlns:p14="http://schemas.microsoft.com/office/powerpoint/2010/main" val="2653397319"/>
+      </p:ext>
+    </p:extLst>
+  </p:cSld>
+  <p:clrMapOvr>
+    <a:masterClrMapping/>
+  </p:clrMapOvr>
+</p:notes>
+</file>
+
+<file path=ppt/notesSlides/notesSlide14.xml><?xml version="1.0" encoding="utf-8"?>
+<p:notes xmlns:a="http://schemas.openxmlformats.org/drawingml/2006/main" xmlns:r="http://schemas.openxmlformats.org/officeDocument/2006/relationships" xmlns:p="http://schemas.openxmlformats.org/presentationml/2006/main">
+  <p:cSld>
+    <p:spTree>
+      <p:nvGrpSpPr>
+        <p:cNvPr id="1" name=""/>
+        <p:cNvGrpSpPr/>
+        <p:nvPr/>
+      </p:nvGrpSpPr>
+      <p:grpSpPr>
+        <a:xfrm>
+          <a:off x="0" y="0"/>
+          <a:ext cx="0" cy="0"/>
+          <a:chOff x="0" y="0"/>
+          <a:chExt cx="0" cy="0"/>
+        </a:xfrm>
+      </p:grpSpPr>
+      <p:sp>
+        <p:nvSpPr>
+          <p:cNvPr id="2" name="Folienbildplatzhalter 1"/>
+          <p:cNvSpPr>
+            <a:spLocks noGrp="1" noRot="1" noChangeAspect="1"/>
+          </p:cNvSpPr>
+          <p:nvPr>
+            <p:ph type="sldImg"/>
+          </p:nvPr>
+        </p:nvSpPr>
+        <p:spPr/>
+      </p:sp>
+      <p:sp>
+        <p:nvSpPr>
+          <p:cNvPr id="3" name="Notizenplatzhalter 2"/>
+          <p:cNvSpPr>
+            <a:spLocks noGrp="1"/>
+          </p:cNvSpPr>
+          <p:nvPr>
+            <p:ph type="body" idx="1"/>
+          </p:nvPr>
+        </p:nvSpPr>
+        <p:spPr/>
+        <p:txBody>
+          <a:bodyPr/>
+          <a:lstStyle/>
+          <a:p>
+            <a:endParaRPr lang="de-DE"/>
+          </a:p>
+        </p:txBody>
+      </p:sp>
+      <p:sp>
+        <p:nvSpPr>
+          <p:cNvPr id="4" name="Foliennummernplatzhalter 3"/>
+          <p:cNvSpPr>
+            <a:spLocks noGrp="1"/>
+          </p:cNvSpPr>
+          <p:nvPr>
+            <p:ph type="sldNum" sz="quarter" idx="10"/>
+          </p:nvPr>
+        </p:nvSpPr>
+        <p:spPr/>
+        <p:txBody>
+          <a:bodyPr/>
+          <a:lstStyle/>
+          <a:p>
+            <a:pPr>
+              <a:defRPr/>
+            </a:pPr>
+            <a:fld id="{571DBBDA-32F8-4515-AE76-A45DB78243F9}" type="slidenum">
+              <a:rPr lang="de-DE" smtClean="0"/>
+              <a:pPr>
+                <a:defRPr/>
+              </a:pPr>
+              <a:t>14</a:t>
             </a:fld>
             <a:endParaRPr lang="de-DE"/>
           </a:p>
@@ -2508,7 +2950,7 @@
               <a:pPr>
                 <a:defRPr/>
               </a:pPr>
-              <a:t>9</a:t>
+              <a:t>7</a:t>
             </a:fld>
             <a:endParaRPr lang="de-DE"/>
           </a:p>
@@ -2517,7 +2959,7 @@
     </p:spTree>
     <p:extLst>
       <p:ext uri="{BB962C8B-B14F-4D97-AF65-F5344CB8AC3E}">
-        <p14:creationId xmlns:p14="http://schemas.microsoft.com/office/powerpoint/2010/main" val="4088216683"/>
+        <p14:creationId xmlns:p14="http://schemas.microsoft.com/office/powerpoint/2010/main" val="1329941963"/>
       </p:ext>
     </p:extLst>
   </p:cSld>
@@ -2598,7 +3040,7 @@
               <a:pPr>
                 <a:defRPr/>
               </a:pPr>
-              <a:t>10</a:t>
+              <a:t>8</a:t>
             </a:fld>
             <a:endParaRPr lang="de-DE"/>
           </a:p>
@@ -2607,7 +3049,7 @@
     </p:spTree>
     <p:extLst>
       <p:ext uri="{BB962C8B-B14F-4D97-AF65-F5344CB8AC3E}">
-        <p14:creationId xmlns:p14="http://schemas.microsoft.com/office/powerpoint/2010/main" val="4088216683"/>
+        <p14:creationId xmlns:p14="http://schemas.microsoft.com/office/powerpoint/2010/main" val="2059793912"/>
       </p:ext>
     </p:extLst>
   </p:cSld>
@@ -2636,38 +3078,19 @@
       </p:grpSpPr>
       <p:sp>
         <p:nvSpPr>
-          <p:cNvPr id="12290" name="Folienbildplatzhalter 1"/>
+          <p:cNvPr id="2" name="Folienbildplatzhalter 1"/>
           <p:cNvSpPr>
-            <a:spLocks noGrp="1" noRot="1" noChangeAspect="1" noTextEdit="1"/>
+            <a:spLocks noGrp="1" noRot="1" noChangeAspect="1"/>
           </p:cNvSpPr>
           <p:nvPr>
             <p:ph type="sldImg"/>
           </p:nvPr>
         </p:nvSpPr>
-        <p:spPr bwMode="auto">
-          <a:noFill/>
-          <a:ln>
-            <a:solidFill>
-              <a:srgbClr val="000000"/>
-            </a:solidFill>
-            <a:miter lim="800000"/>
-            <a:headEnd/>
-            <a:tailEnd/>
-          </a:ln>
-          <a:extLst>
-            <a:ext uri="{909E8E84-426E-40DD-AFC4-6F175D3DCCD1}">
-              <a14:hiddenFill xmlns:a14="http://schemas.microsoft.com/office/drawing/2010/main">
-                <a:solidFill>
-                  <a:srgbClr val="FFFFFF"/>
-                </a:solidFill>
-              </a14:hiddenFill>
-            </a:ext>
-          </a:extLst>
-        </p:spPr>
+        <p:spPr/>
       </p:sp>
       <p:sp>
         <p:nvSpPr>
-          <p:cNvPr id="12291" name="Notizenplatzhalter 2"/>
+          <p:cNvPr id="3" name="Notizenplatzhalter 2"/>
           <p:cNvSpPr>
             <a:spLocks noGrp="1"/>
           </p:cNvSpPr>
@@ -2675,202 +3098,50 @@
             <p:ph type="body" idx="1"/>
           </p:nvPr>
         </p:nvSpPr>
-        <p:spPr bwMode="auto">
-          <a:noFill/>
-          <a:extLst>
-            <a:ext uri="{909E8E84-426E-40DD-AFC4-6F175D3DCCD1}">
-              <a14:hiddenFill xmlns:a14="http://schemas.microsoft.com/office/drawing/2010/main">
-                <a:solidFill>
-                  <a:srgbClr val="FFFFFF"/>
-                </a:solidFill>
-              </a14:hiddenFill>
-            </a:ext>
-            <a:ext uri="{91240B29-F687-4F45-9708-019B960494DF}">
-              <a14:hiddenLine xmlns:a14="http://schemas.microsoft.com/office/drawing/2010/main" w="9525">
-                <a:solidFill>
-                  <a:srgbClr val="000000"/>
-                </a:solidFill>
-                <a:miter lim="800000"/>
-                <a:headEnd/>
-                <a:tailEnd/>
-              </a14:hiddenLine>
-            </a:ext>
-          </a:extLst>
-        </p:spPr>
+        <p:spPr/>
         <p:txBody>
-          <a:bodyPr wrap="square" numCol="1" anchor="t" anchorCtr="0" compatLnSpc="1">
-            <a:prstTxWarp prst="textNoShape">
-              <a:avLst/>
-            </a:prstTxWarp>
-          </a:bodyPr>
+          <a:bodyPr/>
           <a:lstStyle/>
           <a:p>
-            <a:pPr eaLnBrk="1" hangingPunct="1">
-              <a:spcBef>
-                <a:spcPct val="0"/>
-              </a:spcBef>
-            </a:pPr>
-            <a:endParaRPr lang="de-DE" smtClean="0"/>
+            <a:endParaRPr lang="de-DE"/>
           </a:p>
         </p:txBody>
       </p:sp>
       <p:sp>
         <p:nvSpPr>
-          <p:cNvPr id="12292" name="Foliennummernplatzhalter 3"/>
+          <p:cNvPr id="4" name="Foliennummernplatzhalter 3"/>
           <p:cNvSpPr>
             <a:spLocks noGrp="1"/>
           </p:cNvSpPr>
           <p:nvPr>
-            <p:ph type="sldNum" sz="quarter" idx="5"/>
+            <p:ph type="sldNum" sz="quarter" idx="10"/>
           </p:nvPr>
         </p:nvSpPr>
-        <p:spPr bwMode="auto">
-          <a:noFill/>
-          <a:extLst>
-            <a:ext uri="{909E8E84-426E-40DD-AFC4-6F175D3DCCD1}">
-              <a14:hiddenFill xmlns:a14="http://schemas.microsoft.com/office/drawing/2010/main">
-                <a:solidFill>
-                  <a:srgbClr val="FFFFFF"/>
-                </a:solidFill>
-              </a14:hiddenFill>
-            </a:ext>
-            <a:ext uri="{91240B29-F687-4F45-9708-019B960494DF}">
-              <a14:hiddenLine xmlns:a14="http://schemas.microsoft.com/office/drawing/2010/main" w="9525">
-                <a:solidFill>
-                  <a:srgbClr val="000000"/>
-                </a:solidFill>
-                <a:miter lim="800000"/>
-                <a:headEnd/>
-                <a:tailEnd/>
-              </a14:hiddenLine>
-            </a:ext>
-          </a:extLst>
-        </p:spPr>
+        <p:spPr/>
         <p:txBody>
-          <a:bodyPr wrap="square" numCol="1" anchorCtr="0" compatLnSpc="1">
-            <a:prstTxWarp prst="textNoShape">
-              <a:avLst/>
-            </a:prstTxWarp>
-          </a:bodyPr>
-          <a:lstStyle>
-            <a:lvl1pPr eaLnBrk="0" hangingPunct="0">
-              <a:defRPr>
-                <a:solidFill>
-                  <a:schemeClr val="tx1"/>
-                </a:solidFill>
-                <a:latin typeface="Calibri" pitchFamily="34" charset="0"/>
-                <a:cs typeface="Arial" pitchFamily="34" charset="0"/>
-              </a:defRPr>
-            </a:lvl1pPr>
-            <a:lvl2pPr marL="742950" indent="-285750" eaLnBrk="0" hangingPunct="0">
-              <a:defRPr>
-                <a:solidFill>
-                  <a:schemeClr val="tx1"/>
-                </a:solidFill>
-                <a:latin typeface="Calibri" pitchFamily="34" charset="0"/>
-                <a:cs typeface="Arial" pitchFamily="34" charset="0"/>
-              </a:defRPr>
-            </a:lvl2pPr>
-            <a:lvl3pPr marL="1143000" indent="-228600" eaLnBrk="0" hangingPunct="0">
-              <a:defRPr>
-                <a:solidFill>
-                  <a:schemeClr val="tx1"/>
-                </a:solidFill>
-                <a:latin typeface="Calibri" pitchFamily="34" charset="0"/>
-                <a:cs typeface="Arial" pitchFamily="34" charset="0"/>
-              </a:defRPr>
-            </a:lvl3pPr>
-            <a:lvl4pPr marL="1600200" indent="-228600" eaLnBrk="0" hangingPunct="0">
-              <a:defRPr>
-                <a:solidFill>
-                  <a:schemeClr val="tx1"/>
-                </a:solidFill>
-                <a:latin typeface="Calibri" pitchFamily="34" charset="0"/>
-                <a:cs typeface="Arial" pitchFamily="34" charset="0"/>
-              </a:defRPr>
-            </a:lvl4pPr>
-            <a:lvl5pPr marL="2057400" indent="-228600" eaLnBrk="0" hangingPunct="0">
-              <a:defRPr>
-                <a:solidFill>
-                  <a:schemeClr val="tx1"/>
-                </a:solidFill>
-                <a:latin typeface="Calibri" pitchFamily="34" charset="0"/>
-                <a:cs typeface="Arial" pitchFamily="34" charset="0"/>
-              </a:defRPr>
-            </a:lvl5pPr>
-            <a:lvl6pPr marL="2514600" indent="-228600" eaLnBrk="0" fontAlgn="base" hangingPunct="0">
-              <a:spcBef>
-                <a:spcPct val="0"/>
-              </a:spcBef>
-              <a:spcAft>
-                <a:spcPct val="0"/>
-              </a:spcAft>
-              <a:defRPr>
-                <a:solidFill>
-                  <a:schemeClr val="tx1"/>
-                </a:solidFill>
-                <a:latin typeface="Calibri" pitchFamily="34" charset="0"/>
-                <a:cs typeface="Arial" pitchFamily="34" charset="0"/>
-              </a:defRPr>
-            </a:lvl6pPr>
-            <a:lvl7pPr marL="2971800" indent="-228600" eaLnBrk="0" fontAlgn="base" hangingPunct="0">
-              <a:spcBef>
-                <a:spcPct val="0"/>
-              </a:spcBef>
-              <a:spcAft>
-                <a:spcPct val="0"/>
-              </a:spcAft>
-              <a:defRPr>
-                <a:solidFill>
-                  <a:schemeClr val="tx1"/>
-                </a:solidFill>
-                <a:latin typeface="Calibri" pitchFamily="34" charset="0"/>
-                <a:cs typeface="Arial" pitchFamily="34" charset="0"/>
-              </a:defRPr>
-            </a:lvl7pPr>
-            <a:lvl8pPr marL="3429000" indent="-228600" eaLnBrk="0" fontAlgn="base" hangingPunct="0">
-              <a:spcBef>
-                <a:spcPct val="0"/>
-              </a:spcBef>
-              <a:spcAft>
-                <a:spcPct val="0"/>
-              </a:spcAft>
-              <a:defRPr>
-                <a:solidFill>
-                  <a:schemeClr val="tx1"/>
-                </a:solidFill>
-                <a:latin typeface="Calibri" pitchFamily="34" charset="0"/>
-                <a:cs typeface="Arial" pitchFamily="34" charset="0"/>
-              </a:defRPr>
-            </a:lvl8pPr>
-            <a:lvl9pPr marL="3886200" indent="-228600" eaLnBrk="0" fontAlgn="base" hangingPunct="0">
-              <a:spcBef>
-                <a:spcPct val="0"/>
-              </a:spcBef>
-              <a:spcAft>
-                <a:spcPct val="0"/>
-              </a:spcAft>
-              <a:defRPr>
-                <a:solidFill>
-                  <a:schemeClr val="tx1"/>
-                </a:solidFill>
-                <a:latin typeface="Calibri" pitchFamily="34" charset="0"/>
-                <a:cs typeface="Arial" pitchFamily="34" charset="0"/>
-              </a:defRPr>
-            </a:lvl9pPr>
-          </a:lstStyle>
+          <a:bodyPr/>
+          <a:lstStyle/>
           <a:p>
-            <a:pPr eaLnBrk="1" hangingPunct="1"/>
-            <a:fld id="{1E3DF408-A7DD-4355-8132-09DDD024983B}" type="slidenum">
+            <a:pPr>
+              <a:defRPr/>
+            </a:pPr>
+            <a:fld id="{571DBBDA-32F8-4515-AE76-A45DB78243F9}" type="slidenum">
               <a:rPr lang="de-DE" smtClean="0"/>
-              <a:pPr eaLnBrk="1" hangingPunct="1"/>
-              <a:t>11</a:t>
+              <a:pPr>
+                <a:defRPr/>
+              </a:pPr>
+              <a:t>9</a:t>
             </a:fld>
-            <a:endParaRPr lang="de-DE" smtClean="0"/>
+            <a:endParaRPr lang="de-DE"/>
           </a:p>
         </p:txBody>
       </p:sp>
     </p:spTree>
+    <p:extLst>
+      <p:ext uri="{BB962C8B-B14F-4D97-AF65-F5344CB8AC3E}">
+        <p14:creationId xmlns:p14="http://schemas.microsoft.com/office/powerpoint/2010/main" val="4088216683"/>
+      </p:ext>
+    </p:extLst>
   </p:cSld>
   <p:clrMapOvr>
     <a:masterClrMapping/>
@@ -4642,6 +4913,130 @@
       </p:grpSpPr>
       <p:sp>
         <p:nvSpPr>
+          <p:cNvPr id="2" name="Titel 1"/>
+          <p:cNvSpPr>
+            <a:spLocks noGrp="1"/>
+          </p:cNvSpPr>
+          <p:nvPr>
+            <p:ph type="title"/>
+          </p:nvPr>
+        </p:nvSpPr>
+        <p:spPr/>
+        <p:txBody>
+          <a:bodyPr/>
+          <a:lstStyle/>
+          <a:p>
+            <a:r>
+              <a:rPr lang="de-DE" dirty="0" err="1" smtClean="0"/>
+              <a:t>Fib</a:t>
+            </a:r>
+            <a:r>
+              <a:rPr lang="de-DE" dirty="0" smtClean="0"/>
+              <a:t>(n) in O(log n)</a:t>
+            </a:r>
+            <a:endParaRPr lang="de-DE" dirty="0"/>
+          </a:p>
+        </p:txBody>
+      </p:sp>
+      <p:pic>
+        <p:nvPicPr>
+          <p:cNvPr id="4" name="Inhaltsplatzhalter 3"/>
+          <p:cNvPicPr>
+            <a:picLocks noGrp="1" noChangeAspect="1"/>
+          </p:cNvPicPr>
+          <p:nvPr>
+            <p:ph idx="1"/>
+          </p:nvPr>
+        </p:nvPicPr>
+        <p:blipFill>
+          <a:blip r:embed="rId3">
+            <a:extLst>
+              <a:ext uri="{28A0092B-C50C-407E-A947-70E740481C1C}">
+                <a14:useLocalDpi xmlns:a14="http://schemas.microsoft.com/office/drawing/2010/main" val="0"/>
+              </a:ext>
+            </a:extLst>
+          </a:blip>
+          <a:stretch>
+            <a:fillRect/>
+          </a:stretch>
+        </p:blipFill>
+        <p:spPr>
+          <a:xfrm>
+            <a:off x="2917665" y="2106640"/>
+            <a:ext cx="3245010" cy="1203358"/>
+          </a:xfrm>
+        </p:spPr>
+      </p:pic>
+      <p:sp>
+        <p:nvSpPr>
+          <p:cNvPr id="5" name="Rechteck 4"/>
+          <p:cNvSpPr/>
+          <p:nvPr/>
+        </p:nvSpPr>
+        <p:spPr>
+          <a:xfrm>
+            <a:off x="914399" y="5506135"/>
+            <a:ext cx="7286625" cy="369332"/>
+          </a:xfrm>
+          <a:prstGeom prst="rect">
+            <a:avLst/>
+          </a:prstGeom>
+        </p:spPr>
+        <p:txBody>
+          <a:bodyPr wrap="square">
+            <a:spAutoFit/>
+          </a:bodyPr>
+          <a:lstStyle/>
+          <a:p>
+            <a:r>
+              <a:rPr lang="de-DE" dirty="0">
+                <a:hlinkClick r:id="rId4"/>
+              </a:rPr>
+              <a:t>http://www.navision-blog.de/2010/12/19/compute-fibn-in-olog-n/</a:t>
+            </a:r>
+            <a:endParaRPr lang="de-DE" dirty="0"/>
+          </a:p>
+        </p:txBody>
+      </p:sp>
+    </p:spTree>
+    <p:extLst>
+      <p:ext uri="{BB962C8B-B14F-4D97-AF65-F5344CB8AC3E}">
+        <p14:creationId xmlns:p14="http://schemas.microsoft.com/office/powerpoint/2010/main" val="3801421742"/>
+      </p:ext>
+    </p:extLst>
+  </p:cSld>
+  <p:clrMapOvr>
+    <a:masterClrMapping/>
+  </p:clrMapOvr>
+  <p:timing>
+    <p:tnLst>
+      <p:par>
+        <p:cTn id="1" dur="indefinite" restart="never" nodeType="tmRoot"/>
+      </p:par>
+    </p:tnLst>
+  </p:timing>
+</p:sld>
+</file>
+
+<file path=ppt/slides/slide11.xml><?xml version="1.0" encoding="utf-8"?>
+<p:sld xmlns:a="http://schemas.openxmlformats.org/drawingml/2006/main" xmlns:r="http://schemas.openxmlformats.org/officeDocument/2006/relationships" xmlns:p="http://schemas.openxmlformats.org/presentationml/2006/main">
+  <p:cSld>
+    <p:spTree>
+      <p:nvGrpSpPr>
+        <p:cNvPr id="1" name=""/>
+        <p:cNvGrpSpPr/>
+        <p:nvPr/>
+      </p:nvGrpSpPr>
+      <p:grpSpPr>
+        <a:xfrm>
+          <a:off x="0" y="0"/>
+          <a:ext cx="0" cy="0"/>
+          <a:chOff x="0" y="0"/>
+          <a:chExt cx="0" cy="0"/>
+        </a:xfrm>
+      </p:grpSpPr>
+      <p:sp>
+        <p:nvSpPr>
           <p:cNvPr id="4" name="Titel 3"/>
           <p:cNvSpPr>
             <a:spLocks noGrp="1"/>
@@ -4700,7 +5095,7 @@
 </p:sld>
 </file>
 
-<file path=ppt/slides/slide11.xml><?xml version="1.0" encoding="utf-8"?>
+<file path=ppt/slides/slide12.xml><?xml version="1.0" encoding="utf-8"?>
 <p:sld xmlns:a="http://schemas.openxmlformats.org/drawingml/2006/main" xmlns:r="http://schemas.openxmlformats.org/officeDocument/2006/relationships" xmlns:p="http://schemas.openxmlformats.org/presentationml/2006/main">
   <p:cSld>
     <p:spTree>
@@ -5377,7 +5772,7 @@
 </p:sld>
 </file>
 
-<file path=ppt/slides/slide12.xml><?xml version="1.0" encoding="utf-8"?>
+<file path=ppt/slides/slide13.xml><?xml version="1.0" encoding="utf-8"?>
 <p:sld xmlns:a="http://schemas.openxmlformats.org/drawingml/2006/main" xmlns:r="http://schemas.openxmlformats.org/officeDocument/2006/relationships" xmlns:p="http://schemas.openxmlformats.org/presentationml/2006/main">
   <p:cSld>
     <p:spTree>
@@ -5464,7 +5859,7 @@
 </p:sld>
 </file>
 
-<file path=ppt/slides/slide13.xml><?xml version="1.0" encoding="utf-8"?>
+<file path=ppt/slides/slide14.xml><?xml version="1.0" encoding="utf-8"?>
 <p:sld xmlns:a="http://schemas.openxmlformats.org/drawingml/2006/main" xmlns:r="http://schemas.openxmlformats.org/officeDocument/2006/relationships" xmlns:p="http://schemas.openxmlformats.org/presentationml/2006/main">
   <p:cSld>
     <p:spTree>

--- a/slides/NaturalSpec_ADC2011_German.pptx
+++ b/slides/NaturalSpec_ADC2011_German.pptx
@@ -26720,7 +26720,15 @@
           <a:p>
             <a:r>
               <a:rPr lang="de-DE" dirty="0" smtClean="0"/>
-              <a:t>Erkenntnisse über Tests gewinnen</a:t>
+              <a:t>Erkenntnisse über </a:t>
+            </a:r>
+            <a:r>
+              <a:rPr lang="de-DE" dirty="0" smtClean="0"/>
+              <a:t>TDD/BDD </a:t>
+            </a:r>
+            <a:r>
+              <a:rPr lang="de-DE" dirty="0" smtClean="0"/>
+              <a:t>gewinnen</a:t>
             </a:r>
             <a:endParaRPr lang="de-DE" dirty="0"/>
           </a:p>
